--- a/Report.pptx
+++ b/Report.pptx
@@ -6,6 +6,24 @@
   </p:sldMasterIdLst>
   <p:sldIdLst>
     <p:sldId id="256" r:id="rId2"/>
+    <p:sldId id="257" r:id="rId3"/>
+    <p:sldId id="258" r:id="rId4"/>
+    <p:sldId id="259" r:id="rId5"/>
+    <p:sldId id="260" r:id="rId6"/>
+    <p:sldId id="261" r:id="rId7"/>
+    <p:sldId id="262" r:id="rId8"/>
+    <p:sldId id="263" r:id="rId9"/>
+    <p:sldId id="265" r:id="rId10"/>
+    <p:sldId id="266" r:id="rId11"/>
+    <p:sldId id="267" r:id="rId12"/>
+    <p:sldId id="268" r:id="rId13"/>
+    <p:sldId id="269" r:id="rId14"/>
+    <p:sldId id="270" r:id="rId15"/>
+    <p:sldId id="271" r:id="rId16"/>
+    <p:sldId id="272" r:id="rId17"/>
+    <p:sldId id="273" r:id="rId18"/>
+    <p:sldId id="274" r:id="rId19"/>
+    <p:sldId id="275" r:id="rId20"/>
   </p:sldIdLst>
   <p:sldSz cx="12192000" cy="6858000"/>
   <p:notesSz cx="6858000" cy="9144000"/>
@@ -104,6 +122,11 @@
       </a:defRPr>
     </a:lvl9pPr>
   </p:defaultTextStyle>
+  <p:extLst>
+    <p:ext uri="{EFAFB233-063F-42B5-8137-9DF3F51BA10A}">
+      <p15:sldGuideLst xmlns:p15="http://schemas.microsoft.com/office/powerpoint/2012/main"/>
+    </p:ext>
+  </p:extLst>
 </p:presentation>
 </file>
 
@@ -3735,6 +3758,1181 @@
 </p:sld>
 </file>
 
+<file path=ppt/slides/slide10.xml><?xml version="1.0" encoding="utf-8"?>
+<p:sld xmlns:a="http://schemas.openxmlformats.org/drawingml/2006/main" xmlns:r="http://schemas.openxmlformats.org/officeDocument/2006/relationships" xmlns:p="http://schemas.openxmlformats.org/presentationml/2006/main">
+  <p:cSld>
+    <p:spTree>
+      <p:nvGrpSpPr>
+        <p:cNvPr id="1" name=""/>
+        <p:cNvGrpSpPr/>
+        <p:nvPr/>
+      </p:nvGrpSpPr>
+      <p:grpSpPr>
+        <a:xfrm>
+          <a:off x="0" y="0"/>
+          <a:ext cx="0" cy="0"/>
+          <a:chOff x="0" y="0"/>
+          <a:chExt cx="0" cy="0"/>
+        </a:xfrm>
+      </p:grpSpPr>
+      <p:pic>
+        <p:nvPicPr>
+          <p:cNvPr id="3" name="Picture 2">
+            <a:extLst>
+              <a:ext uri="{FF2B5EF4-FFF2-40B4-BE49-F238E27FC236}">
+                <a16:creationId xmlns:a16="http://schemas.microsoft.com/office/drawing/2014/main" id="{A3269F56-012C-E918-F86D-340932BF893F}"/>
+              </a:ext>
+            </a:extLst>
+          </p:cNvPr>
+          <p:cNvPicPr>
+            <a:picLocks noChangeAspect="1"/>
+          </p:cNvPicPr>
+          <p:nvPr/>
+        </p:nvPicPr>
+        <p:blipFill>
+          <a:blip r:embed="rId2"/>
+          <a:stretch>
+            <a:fillRect/>
+          </a:stretch>
+        </p:blipFill>
+        <p:spPr>
+          <a:xfrm>
+            <a:off x="0" y="0"/>
+            <a:ext cx="12192000" cy="6858000"/>
+          </a:xfrm>
+          <a:prstGeom prst="rect">
+            <a:avLst/>
+          </a:prstGeom>
+        </p:spPr>
+      </p:pic>
+      <p:sp>
+        <p:nvSpPr>
+          <p:cNvPr id="4" name="TextBox 3">
+            <a:extLst>
+              <a:ext uri="{FF2B5EF4-FFF2-40B4-BE49-F238E27FC236}">
+                <a16:creationId xmlns:a16="http://schemas.microsoft.com/office/drawing/2014/main" id="{9D04DD8D-3DAF-65E9-1A34-A1398BB0DBC7}"/>
+              </a:ext>
+            </a:extLst>
+          </p:cNvPr>
+          <p:cNvSpPr txBox="1"/>
+          <p:nvPr/>
+        </p:nvSpPr>
+        <p:spPr>
+          <a:xfrm>
+            <a:off x="2125329" y="4784437"/>
+            <a:ext cx="7941341" cy="369332"/>
+          </a:xfrm>
+          <a:prstGeom prst="rect">
+            <a:avLst/>
+          </a:prstGeom>
+          <a:noFill/>
+        </p:spPr>
+        <p:txBody>
+          <a:bodyPr wrap="none" rtlCol="0">
+            <a:spAutoFit/>
+          </a:bodyPr>
+          <a:lstStyle/>
+          <a:p>
+            <a:r>
+              <a:rPr lang="en-US" dirty="0"/>
+              <a:t>Approve to open new class and add students that requested to the class or Decline</a:t>
+            </a:r>
+          </a:p>
+        </p:txBody>
+      </p:sp>
+    </p:spTree>
+    <p:extLst>
+      <p:ext uri="{BB962C8B-B14F-4D97-AF65-F5344CB8AC3E}">
+        <p14:creationId xmlns:p14="http://schemas.microsoft.com/office/powerpoint/2010/main" val="2315304210"/>
+      </p:ext>
+    </p:extLst>
+  </p:cSld>
+  <p:clrMapOvr>
+    <a:masterClrMapping/>
+  </p:clrMapOvr>
+</p:sld>
+</file>
+
+<file path=ppt/slides/slide11.xml><?xml version="1.0" encoding="utf-8"?>
+<p:sld xmlns:a="http://schemas.openxmlformats.org/drawingml/2006/main" xmlns:r="http://schemas.openxmlformats.org/officeDocument/2006/relationships" xmlns:p="http://schemas.openxmlformats.org/presentationml/2006/main">
+  <p:cSld>
+    <p:spTree>
+      <p:nvGrpSpPr>
+        <p:cNvPr id="1" name=""/>
+        <p:cNvGrpSpPr/>
+        <p:nvPr/>
+      </p:nvGrpSpPr>
+      <p:grpSpPr>
+        <a:xfrm>
+          <a:off x="0" y="0"/>
+          <a:ext cx="0" cy="0"/>
+          <a:chOff x="0" y="0"/>
+          <a:chExt cx="0" cy="0"/>
+        </a:xfrm>
+      </p:grpSpPr>
+    </p:spTree>
+    <p:extLst>
+      <p:ext uri="{BB962C8B-B14F-4D97-AF65-F5344CB8AC3E}">
+        <p14:creationId xmlns:p14="http://schemas.microsoft.com/office/powerpoint/2010/main" val="3142573781"/>
+      </p:ext>
+    </p:extLst>
+  </p:cSld>
+  <p:clrMapOvr>
+    <a:masterClrMapping/>
+  </p:clrMapOvr>
+</p:sld>
+</file>
+
+<file path=ppt/slides/slide12.xml><?xml version="1.0" encoding="utf-8"?>
+<p:sld xmlns:a="http://schemas.openxmlformats.org/drawingml/2006/main" xmlns:r="http://schemas.openxmlformats.org/officeDocument/2006/relationships" xmlns:p="http://schemas.openxmlformats.org/presentationml/2006/main">
+  <p:cSld>
+    <p:spTree>
+      <p:nvGrpSpPr>
+        <p:cNvPr id="1" name=""/>
+        <p:cNvGrpSpPr/>
+        <p:nvPr/>
+      </p:nvGrpSpPr>
+      <p:grpSpPr>
+        <a:xfrm>
+          <a:off x="0" y="0"/>
+          <a:ext cx="0" cy="0"/>
+          <a:chOff x="0" y="0"/>
+          <a:chExt cx="0" cy="0"/>
+        </a:xfrm>
+      </p:grpSpPr>
+    </p:spTree>
+    <p:extLst>
+      <p:ext uri="{BB962C8B-B14F-4D97-AF65-F5344CB8AC3E}">
+        <p14:creationId xmlns:p14="http://schemas.microsoft.com/office/powerpoint/2010/main" val="486642866"/>
+      </p:ext>
+    </p:extLst>
+  </p:cSld>
+  <p:clrMapOvr>
+    <a:masterClrMapping/>
+  </p:clrMapOvr>
+</p:sld>
+</file>
+
+<file path=ppt/slides/slide13.xml><?xml version="1.0" encoding="utf-8"?>
+<p:sld xmlns:a="http://schemas.openxmlformats.org/drawingml/2006/main" xmlns:r="http://schemas.openxmlformats.org/officeDocument/2006/relationships" xmlns:p="http://schemas.openxmlformats.org/presentationml/2006/main">
+  <p:cSld>
+    <p:spTree>
+      <p:nvGrpSpPr>
+        <p:cNvPr id="1" name=""/>
+        <p:cNvGrpSpPr/>
+        <p:nvPr/>
+      </p:nvGrpSpPr>
+      <p:grpSpPr>
+        <a:xfrm>
+          <a:off x="0" y="0"/>
+          <a:ext cx="0" cy="0"/>
+          <a:chOff x="0" y="0"/>
+          <a:chExt cx="0" cy="0"/>
+        </a:xfrm>
+      </p:grpSpPr>
+    </p:spTree>
+    <p:extLst>
+      <p:ext uri="{BB962C8B-B14F-4D97-AF65-F5344CB8AC3E}">
+        <p14:creationId xmlns:p14="http://schemas.microsoft.com/office/powerpoint/2010/main" val="879320672"/>
+      </p:ext>
+    </p:extLst>
+  </p:cSld>
+  <p:clrMapOvr>
+    <a:masterClrMapping/>
+  </p:clrMapOvr>
+</p:sld>
+</file>
+
+<file path=ppt/slides/slide14.xml><?xml version="1.0" encoding="utf-8"?>
+<p:sld xmlns:a="http://schemas.openxmlformats.org/drawingml/2006/main" xmlns:r="http://schemas.openxmlformats.org/officeDocument/2006/relationships" xmlns:p="http://schemas.openxmlformats.org/presentationml/2006/main">
+  <p:cSld>
+    <p:spTree>
+      <p:nvGrpSpPr>
+        <p:cNvPr id="1" name=""/>
+        <p:cNvGrpSpPr/>
+        <p:nvPr/>
+      </p:nvGrpSpPr>
+      <p:grpSpPr>
+        <a:xfrm>
+          <a:off x="0" y="0"/>
+          <a:ext cx="0" cy="0"/>
+          <a:chOff x="0" y="0"/>
+          <a:chExt cx="0" cy="0"/>
+        </a:xfrm>
+      </p:grpSpPr>
+    </p:spTree>
+    <p:extLst>
+      <p:ext uri="{BB962C8B-B14F-4D97-AF65-F5344CB8AC3E}">
+        <p14:creationId xmlns:p14="http://schemas.microsoft.com/office/powerpoint/2010/main" val="2285978651"/>
+      </p:ext>
+    </p:extLst>
+  </p:cSld>
+  <p:clrMapOvr>
+    <a:masterClrMapping/>
+  </p:clrMapOvr>
+</p:sld>
+</file>
+
+<file path=ppt/slides/slide15.xml><?xml version="1.0" encoding="utf-8"?>
+<p:sld xmlns:a="http://schemas.openxmlformats.org/drawingml/2006/main" xmlns:r="http://schemas.openxmlformats.org/officeDocument/2006/relationships" xmlns:p="http://schemas.openxmlformats.org/presentationml/2006/main">
+  <p:cSld>
+    <p:spTree>
+      <p:nvGrpSpPr>
+        <p:cNvPr id="1" name=""/>
+        <p:cNvGrpSpPr/>
+        <p:nvPr/>
+      </p:nvGrpSpPr>
+      <p:grpSpPr>
+        <a:xfrm>
+          <a:off x="0" y="0"/>
+          <a:ext cx="0" cy="0"/>
+          <a:chOff x="0" y="0"/>
+          <a:chExt cx="0" cy="0"/>
+        </a:xfrm>
+      </p:grpSpPr>
+    </p:spTree>
+    <p:extLst>
+      <p:ext uri="{BB962C8B-B14F-4D97-AF65-F5344CB8AC3E}">
+        <p14:creationId xmlns:p14="http://schemas.microsoft.com/office/powerpoint/2010/main" val="265642893"/>
+      </p:ext>
+    </p:extLst>
+  </p:cSld>
+  <p:clrMapOvr>
+    <a:masterClrMapping/>
+  </p:clrMapOvr>
+</p:sld>
+</file>
+
+<file path=ppt/slides/slide16.xml><?xml version="1.0" encoding="utf-8"?>
+<p:sld xmlns:a="http://schemas.openxmlformats.org/drawingml/2006/main" xmlns:r="http://schemas.openxmlformats.org/officeDocument/2006/relationships" xmlns:p="http://schemas.openxmlformats.org/presentationml/2006/main">
+  <p:cSld>
+    <p:spTree>
+      <p:nvGrpSpPr>
+        <p:cNvPr id="1" name=""/>
+        <p:cNvGrpSpPr/>
+        <p:nvPr/>
+      </p:nvGrpSpPr>
+      <p:grpSpPr>
+        <a:xfrm>
+          <a:off x="0" y="0"/>
+          <a:ext cx="0" cy="0"/>
+          <a:chOff x="0" y="0"/>
+          <a:chExt cx="0" cy="0"/>
+        </a:xfrm>
+      </p:grpSpPr>
+    </p:spTree>
+    <p:extLst>
+      <p:ext uri="{BB962C8B-B14F-4D97-AF65-F5344CB8AC3E}">
+        <p14:creationId xmlns:p14="http://schemas.microsoft.com/office/powerpoint/2010/main" val="25319222"/>
+      </p:ext>
+    </p:extLst>
+  </p:cSld>
+  <p:clrMapOvr>
+    <a:masterClrMapping/>
+  </p:clrMapOvr>
+</p:sld>
+</file>
+
+<file path=ppt/slides/slide17.xml><?xml version="1.0" encoding="utf-8"?>
+<p:sld xmlns:a="http://schemas.openxmlformats.org/drawingml/2006/main" xmlns:r="http://schemas.openxmlformats.org/officeDocument/2006/relationships" xmlns:p="http://schemas.openxmlformats.org/presentationml/2006/main">
+  <p:cSld>
+    <p:spTree>
+      <p:nvGrpSpPr>
+        <p:cNvPr id="1" name=""/>
+        <p:cNvGrpSpPr/>
+        <p:nvPr/>
+      </p:nvGrpSpPr>
+      <p:grpSpPr>
+        <a:xfrm>
+          <a:off x="0" y="0"/>
+          <a:ext cx="0" cy="0"/>
+          <a:chOff x="0" y="0"/>
+          <a:chExt cx="0" cy="0"/>
+        </a:xfrm>
+      </p:grpSpPr>
+    </p:spTree>
+    <p:extLst>
+      <p:ext uri="{BB962C8B-B14F-4D97-AF65-F5344CB8AC3E}">
+        <p14:creationId xmlns:p14="http://schemas.microsoft.com/office/powerpoint/2010/main" val="1150249209"/>
+      </p:ext>
+    </p:extLst>
+  </p:cSld>
+  <p:clrMapOvr>
+    <a:masterClrMapping/>
+  </p:clrMapOvr>
+</p:sld>
+</file>
+
+<file path=ppt/slides/slide18.xml><?xml version="1.0" encoding="utf-8"?>
+<p:sld xmlns:a="http://schemas.openxmlformats.org/drawingml/2006/main" xmlns:r="http://schemas.openxmlformats.org/officeDocument/2006/relationships" xmlns:p="http://schemas.openxmlformats.org/presentationml/2006/main">
+  <p:cSld>
+    <p:spTree>
+      <p:nvGrpSpPr>
+        <p:cNvPr id="1" name=""/>
+        <p:cNvGrpSpPr/>
+        <p:nvPr/>
+      </p:nvGrpSpPr>
+      <p:grpSpPr>
+        <a:xfrm>
+          <a:off x="0" y="0"/>
+          <a:ext cx="0" cy="0"/>
+          <a:chOff x="0" y="0"/>
+          <a:chExt cx="0" cy="0"/>
+        </a:xfrm>
+      </p:grpSpPr>
+    </p:spTree>
+    <p:extLst>
+      <p:ext uri="{BB962C8B-B14F-4D97-AF65-F5344CB8AC3E}">
+        <p14:creationId xmlns:p14="http://schemas.microsoft.com/office/powerpoint/2010/main" val="2249201759"/>
+      </p:ext>
+    </p:extLst>
+  </p:cSld>
+  <p:clrMapOvr>
+    <a:masterClrMapping/>
+  </p:clrMapOvr>
+</p:sld>
+</file>
+
+<file path=ppt/slides/slide19.xml><?xml version="1.0" encoding="utf-8"?>
+<p:sld xmlns:a="http://schemas.openxmlformats.org/drawingml/2006/main" xmlns:r="http://schemas.openxmlformats.org/officeDocument/2006/relationships" xmlns:p="http://schemas.openxmlformats.org/presentationml/2006/main">
+  <p:cSld>
+    <p:spTree>
+      <p:nvGrpSpPr>
+        <p:cNvPr id="1" name=""/>
+        <p:cNvGrpSpPr/>
+        <p:nvPr/>
+      </p:nvGrpSpPr>
+      <p:grpSpPr>
+        <a:xfrm>
+          <a:off x="0" y="0"/>
+          <a:ext cx="0" cy="0"/>
+          <a:chOff x="0" y="0"/>
+          <a:chExt cx="0" cy="0"/>
+        </a:xfrm>
+      </p:grpSpPr>
+    </p:spTree>
+    <p:extLst>
+      <p:ext uri="{BB962C8B-B14F-4D97-AF65-F5344CB8AC3E}">
+        <p14:creationId xmlns:p14="http://schemas.microsoft.com/office/powerpoint/2010/main" val="3611916331"/>
+      </p:ext>
+    </p:extLst>
+  </p:cSld>
+  <p:clrMapOvr>
+    <a:masterClrMapping/>
+  </p:clrMapOvr>
+</p:sld>
+</file>
+
+<file path=ppt/slides/slide2.xml><?xml version="1.0" encoding="utf-8"?>
+<p:sld xmlns:a="http://schemas.openxmlformats.org/drawingml/2006/main" xmlns:r="http://schemas.openxmlformats.org/officeDocument/2006/relationships" xmlns:p="http://schemas.openxmlformats.org/presentationml/2006/main">
+  <p:cSld>
+    <p:spTree>
+      <p:nvGrpSpPr>
+        <p:cNvPr id="1" name=""/>
+        <p:cNvGrpSpPr/>
+        <p:nvPr/>
+      </p:nvGrpSpPr>
+      <p:grpSpPr>
+        <a:xfrm>
+          <a:off x="0" y="0"/>
+          <a:ext cx="0" cy="0"/>
+          <a:chOff x="0" y="0"/>
+          <a:chExt cx="0" cy="0"/>
+        </a:xfrm>
+      </p:grpSpPr>
+      <p:pic>
+        <p:nvPicPr>
+          <p:cNvPr id="5" name="Picture 4">
+            <a:extLst>
+              <a:ext uri="{FF2B5EF4-FFF2-40B4-BE49-F238E27FC236}">
+                <a16:creationId xmlns:a16="http://schemas.microsoft.com/office/drawing/2014/main" id="{177EE6A2-9364-D904-0DA4-2187FED3DEF6}"/>
+              </a:ext>
+            </a:extLst>
+          </p:cNvPr>
+          <p:cNvPicPr>
+            <a:picLocks noChangeAspect="1"/>
+          </p:cNvPicPr>
+          <p:nvPr/>
+        </p:nvPicPr>
+        <p:blipFill>
+          <a:blip r:embed="rId2"/>
+          <a:stretch>
+            <a:fillRect/>
+          </a:stretch>
+        </p:blipFill>
+        <p:spPr>
+          <a:xfrm>
+            <a:off x="0" y="330071"/>
+            <a:ext cx="12192000" cy="6419530"/>
+          </a:xfrm>
+          <a:prstGeom prst="rect">
+            <a:avLst/>
+          </a:prstGeom>
+        </p:spPr>
+      </p:pic>
+      <p:sp>
+        <p:nvSpPr>
+          <p:cNvPr id="8" name="Title 1">
+            <a:extLst>
+              <a:ext uri="{FF2B5EF4-FFF2-40B4-BE49-F238E27FC236}">
+                <a16:creationId xmlns:a16="http://schemas.microsoft.com/office/drawing/2014/main" id="{92B5ED4B-F536-CC35-9770-6ECF7F834510}"/>
+              </a:ext>
+            </a:extLst>
+          </p:cNvPr>
+          <p:cNvSpPr txBox="1">
+            <a:spLocks/>
+          </p:cNvSpPr>
+          <p:nvPr/>
+        </p:nvSpPr>
+        <p:spPr>
+          <a:xfrm>
+            <a:off x="7407563" y="330071"/>
+            <a:ext cx="6446982" cy="678728"/>
+          </a:xfrm>
+          <a:prstGeom prst="rect">
+            <a:avLst/>
+          </a:prstGeom>
+        </p:spPr>
+        <p:txBody>
+          <a:bodyPr vert="horz" lIns="91440" tIns="45720" rIns="91440" bIns="45720" rtlCol="0" anchor="ctr">
+            <a:normAutofit fontScale="97500" lnSpcReduction="10000"/>
+          </a:bodyPr>
+          <a:lstStyle>
+            <a:lvl1pPr algn="l" defTabSz="914400" rtl="0" eaLnBrk="1" latinLnBrk="0" hangingPunct="1">
+              <a:lnSpc>
+                <a:spcPct val="90000"/>
+              </a:lnSpc>
+              <a:spcBef>
+                <a:spcPct val="0"/>
+              </a:spcBef>
+              <a:buNone/>
+              <a:defRPr sz="4400" kern="1200">
+                <a:solidFill>
+                  <a:schemeClr val="tx1"/>
+                </a:solidFill>
+                <a:latin typeface="+mj-lt"/>
+                <a:ea typeface="+mj-ea"/>
+                <a:cs typeface="+mj-cs"/>
+              </a:defRPr>
+            </a:lvl1pPr>
+          </a:lstStyle>
+          <a:p>
+            <a:r>
+              <a:rPr lang="en-US" dirty="0"/>
+              <a:t>Database diagram</a:t>
+            </a:r>
+          </a:p>
+        </p:txBody>
+      </p:sp>
+    </p:spTree>
+    <p:extLst>
+      <p:ext uri="{BB962C8B-B14F-4D97-AF65-F5344CB8AC3E}">
+        <p14:creationId xmlns:p14="http://schemas.microsoft.com/office/powerpoint/2010/main" val="2934764002"/>
+      </p:ext>
+    </p:extLst>
+  </p:cSld>
+  <p:clrMapOvr>
+    <a:masterClrMapping/>
+  </p:clrMapOvr>
+</p:sld>
+</file>
+
+<file path=ppt/slides/slide3.xml><?xml version="1.0" encoding="utf-8"?>
+<p:sld xmlns:a="http://schemas.openxmlformats.org/drawingml/2006/main" xmlns:r="http://schemas.openxmlformats.org/officeDocument/2006/relationships" xmlns:p="http://schemas.openxmlformats.org/presentationml/2006/main">
+  <p:cSld>
+    <p:spTree>
+      <p:nvGrpSpPr>
+        <p:cNvPr id="1" name=""/>
+        <p:cNvGrpSpPr/>
+        <p:nvPr/>
+      </p:nvGrpSpPr>
+      <p:grpSpPr>
+        <a:xfrm>
+          <a:off x="0" y="0"/>
+          <a:ext cx="0" cy="0"/>
+          <a:chOff x="0" y="0"/>
+          <a:chExt cx="0" cy="0"/>
+        </a:xfrm>
+      </p:grpSpPr>
+      <p:sp>
+        <p:nvSpPr>
+          <p:cNvPr id="4" name="TextBox 3">
+            <a:extLst>
+              <a:ext uri="{FF2B5EF4-FFF2-40B4-BE49-F238E27FC236}">
+                <a16:creationId xmlns:a16="http://schemas.microsoft.com/office/drawing/2014/main" id="{65969A2E-DD91-D954-2931-5CD5BB654DA8}"/>
+              </a:ext>
+            </a:extLst>
+          </p:cNvPr>
+          <p:cNvSpPr txBox="1"/>
+          <p:nvPr/>
+        </p:nvSpPr>
+        <p:spPr>
+          <a:xfrm>
+            <a:off x="2818821" y="2413337"/>
+            <a:ext cx="6554358" cy="1015663"/>
+          </a:xfrm>
+          <a:prstGeom prst="rect">
+            <a:avLst/>
+          </a:prstGeom>
+          <a:noFill/>
+        </p:spPr>
+        <p:txBody>
+          <a:bodyPr wrap="none" rtlCol="0">
+            <a:spAutoFit/>
+          </a:bodyPr>
+          <a:lstStyle/>
+          <a:p>
+            <a:pPr algn="ctr"/>
+            <a:r>
+              <a:rPr lang="en-US" sz="6000" b="1" dirty="0"/>
+              <a:t>Screen shots, guide.</a:t>
+            </a:r>
+          </a:p>
+        </p:txBody>
+      </p:sp>
+    </p:spTree>
+    <p:extLst>
+      <p:ext uri="{BB962C8B-B14F-4D97-AF65-F5344CB8AC3E}">
+        <p14:creationId xmlns:p14="http://schemas.microsoft.com/office/powerpoint/2010/main" val="786277499"/>
+      </p:ext>
+    </p:extLst>
+  </p:cSld>
+  <p:clrMapOvr>
+    <a:masterClrMapping/>
+  </p:clrMapOvr>
+</p:sld>
+</file>
+
+<file path=ppt/slides/slide4.xml><?xml version="1.0" encoding="utf-8"?>
+<p:sld xmlns:a="http://schemas.openxmlformats.org/drawingml/2006/main" xmlns:r="http://schemas.openxmlformats.org/officeDocument/2006/relationships" xmlns:p="http://schemas.openxmlformats.org/presentationml/2006/main">
+  <p:cSld>
+    <p:spTree>
+      <p:nvGrpSpPr>
+        <p:cNvPr id="1" name=""/>
+        <p:cNvGrpSpPr/>
+        <p:nvPr/>
+      </p:nvGrpSpPr>
+      <p:grpSpPr>
+        <a:xfrm>
+          <a:off x="0" y="0"/>
+          <a:ext cx="0" cy="0"/>
+          <a:chOff x="0" y="0"/>
+          <a:chExt cx="0" cy="0"/>
+        </a:xfrm>
+      </p:grpSpPr>
+      <p:sp>
+        <p:nvSpPr>
+          <p:cNvPr id="7" name="TextBox 6">
+            <a:extLst>
+              <a:ext uri="{FF2B5EF4-FFF2-40B4-BE49-F238E27FC236}">
+                <a16:creationId xmlns:a16="http://schemas.microsoft.com/office/drawing/2014/main" id="{A9D7FDAC-DFB6-C822-1385-483FFC7E6346}"/>
+              </a:ext>
+            </a:extLst>
+          </p:cNvPr>
+          <p:cNvSpPr txBox="1"/>
+          <p:nvPr/>
+        </p:nvSpPr>
+        <p:spPr>
+          <a:xfrm>
+            <a:off x="4932218" y="5264728"/>
+            <a:ext cx="1434495" cy="369332"/>
+          </a:xfrm>
+          <a:prstGeom prst="rect">
+            <a:avLst/>
+          </a:prstGeom>
+          <a:noFill/>
+        </p:spPr>
+        <p:txBody>
+          <a:bodyPr wrap="none" rtlCol="0">
+            <a:spAutoFit/>
+          </a:bodyPr>
+          <a:lstStyle/>
+          <a:p>
+            <a:r>
+              <a:rPr lang="en-US" dirty="0"/>
+              <a:t>Student login</a:t>
+            </a:r>
+          </a:p>
+        </p:txBody>
+      </p:sp>
+      <p:pic>
+        <p:nvPicPr>
+          <p:cNvPr id="9" name="Picture 8">
+            <a:extLst>
+              <a:ext uri="{FF2B5EF4-FFF2-40B4-BE49-F238E27FC236}">
+                <a16:creationId xmlns:a16="http://schemas.microsoft.com/office/drawing/2014/main" id="{7EA4BA90-6F81-9A59-0D38-A19111DDA1EF}"/>
+              </a:ext>
+            </a:extLst>
+          </p:cNvPr>
+          <p:cNvPicPr>
+            <a:picLocks noChangeAspect="1"/>
+          </p:cNvPicPr>
+          <p:nvPr/>
+        </p:nvPicPr>
+        <p:blipFill>
+          <a:blip r:embed="rId2"/>
+          <a:stretch>
+            <a:fillRect/>
+          </a:stretch>
+        </p:blipFill>
+        <p:spPr>
+          <a:xfrm>
+            <a:off x="0" y="0"/>
+            <a:ext cx="12192000" cy="6858000"/>
+          </a:xfrm>
+          <a:prstGeom prst="rect">
+            <a:avLst/>
+          </a:prstGeom>
+        </p:spPr>
+      </p:pic>
+      <p:sp>
+        <p:nvSpPr>
+          <p:cNvPr id="10" name="TextBox 9">
+            <a:extLst>
+              <a:ext uri="{FF2B5EF4-FFF2-40B4-BE49-F238E27FC236}">
+                <a16:creationId xmlns:a16="http://schemas.microsoft.com/office/drawing/2014/main" id="{1EF1CBC5-4F9F-1E96-E6E0-0E20B97D85AB}"/>
+              </a:ext>
+            </a:extLst>
+          </p:cNvPr>
+          <p:cNvSpPr txBox="1"/>
+          <p:nvPr/>
+        </p:nvSpPr>
+        <p:spPr>
+          <a:xfrm>
+            <a:off x="5237018" y="4729019"/>
+            <a:ext cx="1434495" cy="369332"/>
+          </a:xfrm>
+          <a:prstGeom prst="rect">
+            <a:avLst/>
+          </a:prstGeom>
+          <a:noFill/>
+        </p:spPr>
+        <p:txBody>
+          <a:bodyPr wrap="none" rtlCol="0">
+            <a:spAutoFit/>
+          </a:bodyPr>
+          <a:lstStyle/>
+          <a:p>
+            <a:r>
+              <a:rPr lang="en-US" dirty="0"/>
+              <a:t>Student login</a:t>
+            </a:r>
+          </a:p>
+        </p:txBody>
+      </p:sp>
+    </p:spTree>
+    <p:extLst>
+      <p:ext uri="{BB962C8B-B14F-4D97-AF65-F5344CB8AC3E}">
+        <p14:creationId xmlns:p14="http://schemas.microsoft.com/office/powerpoint/2010/main" val="2513300257"/>
+      </p:ext>
+    </p:extLst>
+  </p:cSld>
+  <p:clrMapOvr>
+    <a:masterClrMapping/>
+  </p:clrMapOvr>
+</p:sld>
+</file>
+
+<file path=ppt/slides/slide5.xml><?xml version="1.0" encoding="utf-8"?>
+<p:sld xmlns:a="http://schemas.openxmlformats.org/drawingml/2006/main" xmlns:r="http://schemas.openxmlformats.org/officeDocument/2006/relationships" xmlns:p="http://schemas.openxmlformats.org/presentationml/2006/main">
+  <p:cSld>
+    <p:spTree>
+      <p:nvGrpSpPr>
+        <p:cNvPr id="1" name=""/>
+        <p:cNvGrpSpPr/>
+        <p:nvPr/>
+      </p:nvGrpSpPr>
+      <p:grpSpPr>
+        <a:xfrm>
+          <a:off x="0" y="0"/>
+          <a:ext cx="0" cy="0"/>
+          <a:chOff x="0" y="0"/>
+          <a:chExt cx="0" cy="0"/>
+        </a:xfrm>
+      </p:grpSpPr>
+      <p:pic>
+        <p:nvPicPr>
+          <p:cNvPr id="3" name="Picture 2">
+            <a:extLst>
+              <a:ext uri="{FF2B5EF4-FFF2-40B4-BE49-F238E27FC236}">
+                <a16:creationId xmlns:a16="http://schemas.microsoft.com/office/drawing/2014/main" id="{6BC8B0C1-8C57-6F71-480D-A4D07FEAE279}"/>
+              </a:ext>
+            </a:extLst>
+          </p:cNvPr>
+          <p:cNvPicPr>
+            <a:picLocks noChangeAspect="1"/>
+          </p:cNvPicPr>
+          <p:nvPr/>
+        </p:nvPicPr>
+        <p:blipFill>
+          <a:blip r:embed="rId2"/>
+          <a:stretch>
+            <a:fillRect/>
+          </a:stretch>
+        </p:blipFill>
+        <p:spPr>
+          <a:xfrm>
+            <a:off x="0" y="0"/>
+            <a:ext cx="12192000" cy="6858000"/>
+          </a:xfrm>
+          <a:prstGeom prst="rect">
+            <a:avLst/>
+          </a:prstGeom>
+        </p:spPr>
+      </p:pic>
+      <p:sp>
+        <p:nvSpPr>
+          <p:cNvPr id="4" name="TextBox 3">
+            <a:extLst>
+              <a:ext uri="{FF2B5EF4-FFF2-40B4-BE49-F238E27FC236}">
+                <a16:creationId xmlns:a16="http://schemas.microsoft.com/office/drawing/2014/main" id="{60389EFB-A565-5255-90D5-6BFB5B27F46E}"/>
+              </a:ext>
+            </a:extLst>
+          </p:cNvPr>
+          <p:cNvSpPr txBox="1"/>
+          <p:nvPr/>
+        </p:nvSpPr>
+        <p:spPr>
+          <a:xfrm>
+            <a:off x="3029527" y="5237019"/>
+            <a:ext cx="4304146" cy="369332"/>
+          </a:xfrm>
+          <a:prstGeom prst="rect">
+            <a:avLst/>
+          </a:prstGeom>
+          <a:noFill/>
+        </p:spPr>
+        <p:txBody>
+          <a:bodyPr wrap="square" rtlCol="0">
+            <a:spAutoFit/>
+          </a:bodyPr>
+          <a:lstStyle/>
+          <a:p>
+            <a:r>
+              <a:rPr lang="en-US" dirty="0"/>
+              <a:t>Choose course and click Register button</a:t>
+            </a:r>
+          </a:p>
+        </p:txBody>
+      </p:sp>
+      <p:pic>
+        <p:nvPicPr>
+          <p:cNvPr id="6" name="Picture 5">
+            <a:extLst>
+              <a:ext uri="{FF2B5EF4-FFF2-40B4-BE49-F238E27FC236}">
+                <a16:creationId xmlns:a16="http://schemas.microsoft.com/office/drawing/2014/main" id="{8FBCDDF6-B049-CF92-81DF-E27D4CF67197}"/>
+              </a:ext>
+            </a:extLst>
+          </p:cNvPr>
+          <p:cNvPicPr>
+            <a:picLocks noChangeAspect="1"/>
+          </p:cNvPicPr>
+          <p:nvPr/>
+        </p:nvPicPr>
+        <p:blipFill>
+          <a:blip r:embed="rId3"/>
+          <a:stretch>
+            <a:fillRect/>
+          </a:stretch>
+        </p:blipFill>
+        <p:spPr>
+          <a:xfrm>
+            <a:off x="6936424" y="5154948"/>
+            <a:ext cx="1219370" cy="533474"/>
+          </a:xfrm>
+          <a:prstGeom prst="rect">
+            <a:avLst/>
+          </a:prstGeom>
+        </p:spPr>
+      </p:pic>
+    </p:spTree>
+    <p:extLst>
+      <p:ext uri="{BB962C8B-B14F-4D97-AF65-F5344CB8AC3E}">
+        <p14:creationId xmlns:p14="http://schemas.microsoft.com/office/powerpoint/2010/main" val="484369731"/>
+      </p:ext>
+    </p:extLst>
+  </p:cSld>
+  <p:clrMapOvr>
+    <a:masterClrMapping/>
+  </p:clrMapOvr>
+</p:sld>
+</file>
+
+<file path=ppt/slides/slide6.xml><?xml version="1.0" encoding="utf-8"?>
+<p:sld xmlns:a="http://schemas.openxmlformats.org/drawingml/2006/main" xmlns:r="http://schemas.openxmlformats.org/officeDocument/2006/relationships" xmlns:p="http://schemas.openxmlformats.org/presentationml/2006/main">
+  <p:cSld>
+    <p:spTree>
+      <p:nvGrpSpPr>
+        <p:cNvPr id="1" name=""/>
+        <p:cNvGrpSpPr/>
+        <p:nvPr/>
+      </p:nvGrpSpPr>
+      <p:grpSpPr>
+        <a:xfrm>
+          <a:off x="0" y="0"/>
+          <a:ext cx="0" cy="0"/>
+          <a:chOff x="0" y="0"/>
+          <a:chExt cx="0" cy="0"/>
+        </a:xfrm>
+      </p:grpSpPr>
+      <p:pic>
+        <p:nvPicPr>
+          <p:cNvPr id="3" name="Picture 2">
+            <a:extLst>
+              <a:ext uri="{FF2B5EF4-FFF2-40B4-BE49-F238E27FC236}">
+                <a16:creationId xmlns:a16="http://schemas.microsoft.com/office/drawing/2014/main" id="{E4050604-6F63-4157-706E-34AE1327263C}"/>
+              </a:ext>
+            </a:extLst>
+          </p:cNvPr>
+          <p:cNvPicPr>
+            <a:picLocks noChangeAspect="1"/>
+          </p:cNvPicPr>
+          <p:nvPr/>
+        </p:nvPicPr>
+        <p:blipFill>
+          <a:blip r:embed="rId2"/>
+          <a:stretch>
+            <a:fillRect/>
+          </a:stretch>
+        </p:blipFill>
+        <p:spPr>
+          <a:xfrm>
+            <a:off x="0" y="0"/>
+            <a:ext cx="12192000" cy="6858000"/>
+          </a:xfrm>
+          <a:prstGeom prst="rect">
+            <a:avLst/>
+          </a:prstGeom>
+        </p:spPr>
+      </p:pic>
+      <p:sp>
+        <p:nvSpPr>
+          <p:cNvPr id="4" name="TextBox 3">
+            <a:extLst>
+              <a:ext uri="{FF2B5EF4-FFF2-40B4-BE49-F238E27FC236}">
+                <a16:creationId xmlns:a16="http://schemas.microsoft.com/office/drawing/2014/main" id="{BFB18546-9675-C47A-DC4C-A742063FE4D5}"/>
+              </a:ext>
+            </a:extLst>
+          </p:cNvPr>
+          <p:cNvSpPr txBox="1"/>
+          <p:nvPr/>
+        </p:nvSpPr>
+        <p:spPr>
+          <a:xfrm>
+            <a:off x="2410691" y="4479636"/>
+            <a:ext cx="3877665" cy="369332"/>
+          </a:xfrm>
+          <a:prstGeom prst="rect">
+            <a:avLst/>
+          </a:prstGeom>
+          <a:noFill/>
+        </p:spPr>
+        <p:txBody>
+          <a:bodyPr wrap="none" rtlCol="0">
+            <a:spAutoFit/>
+          </a:bodyPr>
+          <a:lstStyle/>
+          <a:p>
+            <a:r>
+              <a:rPr lang="en-US" dirty="0"/>
+              <a:t>Choose class or request open new class</a:t>
+            </a:r>
+          </a:p>
+        </p:txBody>
+      </p:sp>
+      <p:pic>
+        <p:nvPicPr>
+          <p:cNvPr id="6" name="Picture 5">
+            <a:extLst>
+              <a:ext uri="{FF2B5EF4-FFF2-40B4-BE49-F238E27FC236}">
+                <a16:creationId xmlns:a16="http://schemas.microsoft.com/office/drawing/2014/main" id="{F3CB3A2D-C488-2BEA-2422-A175F50D2FEC}"/>
+              </a:ext>
+            </a:extLst>
+          </p:cNvPr>
+          <p:cNvPicPr>
+            <a:picLocks noChangeAspect="1"/>
+          </p:cNvPicPr>
+          <p:nvPr/>
+        </p:nvPicPr>
+        <p:blipFill>
+          <a:blip r:embed="rId3"/>
+          <a:stretch>
+            <a:fillRect/>
+          </a:stretch>
+        </p:blipFill>
+        <p:spPr>
+          <a:xfrm>
+            <a:off x="6441635" y="4140115"/>
+            <a:ext cx="2172003" cy="1219370"/>
+          </a:xfrm>
+          <a:prstGeom prst="rect">
+            <a:avLst/>
+          </a:prstGeom>
+        </p:spPr>
+      </p:pic>
+    </p:spTree>
+    <p:extLst>
+      <p:ext uri="{BB962C8B-B14F-4D97-AF65-F5344CB8AC3E}">
+        <p14:creationId xmlns:p14="http://schemas.microsoft.com/office/powerpoint/2010/main" val="158524336"/>
+      </p:ext>
+    </p:extLst>
+  </p:cSld>
+  <p:clrMapOvr>
+    <a:masterClrMapping/>
+  </p:clrMapOvr>
+</p:sld>
+</file>
+
+<file path=ppt/slides/slide7.xml><?xml version="1.0" encoding="utf-8"?>
+<p:sld xmlns:a="http://schemas.openxmlformats.org/drawingml/2006/main" xmlns:r="http://schemas.openxmlformats.org/officeDocument/2006/relationships" xmlns:p="http://schemas.openxmlformats.org/presentationml/2006/main">
+  <p:cSld>
+    <p:spTree>
+      <p:nvGrpSpPr>
+        <p:cNvPr id="1" name=""/>
+        <p:cNvGrpSpPr/>
+        <p:nvPr/>
+      </p:nvGrpSpPr>
+      <p:grpSpPr>
+        <a:xfrm>
+          <a:off x="0" y="0"/>
+          <a:ext cx="0" cy="0"/>
+          <a:chOff x="0" y="0"/>
+          <a:chExt cx="0" cy="0"/>
+        </a:xfrm>
+      </p:grpSpPr>
+      <p:pic>
+        <p:nvPicPr>
+          <p:cNvPr id="3" name="Picture 2">
+            <a:extLst>
+              <a:ext uri="{FF2B5EF4-FFF2-40B4-BE49-F238E27FC236}">
+                <a16:creationId xmlns:a16="http://schemas.microsoft.com/office/drawing/2014/main" id="{ECABCAF5-B1DB-F98E-2EA6-510F19671BB8}"/>
+              </a:ext>
+            </a:extLst>
+          </p:cNvPr>
+          <p:cNvPicPr>
+            <a:picLocks noChangeAspect="1"/>
+          </p:cNvPicPr>
+          <p:nvPr/>
+        </p:nvPicPr>
+        <p:blipFill>
+          <a:blip r:embed="rId2"/>
+          <a:stretch>
+            <a:fillRect/>
+          </a:stretch>
+        </p:blipFill>
+        <p:spPr>
+          <a:xfrm>
+            <a:off x="0" y="0"/>
+            <a:ext cx="12192000" cy="6858000"/>
+          </a:xfrm>
+          <a:prstGeom prst="rect">
+            <a:avLst/>
+          </a:prstGeom>
+        </p:spPr>
+      </p:pic>
+      <p:sp>
+        <p:nvSpPr>
+          <p:cNvPr id="4" name="TextBox 3">
+            <a:extLst>
+              <a:ext uri="{FF2B5EF4-FFF2-40B4-BE49-F238E27FC236}">
+                <a16:creationId xmlns:a16="http://schemas.microsoft.com/office/drawing/2014/main" id="{CB6A6DBF-3880-5270-AADA-AD36BC40CBC7}"/>
+              </a:ext>
+            </a:extLst>
+          </p:cNvPr>
+          <p:cNvSpPr txBox="1"/>
+          <p:nvPr/>
+        </p:nvSpPr>
+        <p:spPr>
+          <a:xfrm>
+            <a:off x="4978399" y="4950691"/>
+            <a:ext cx="1309974" cy="369332"/>
+          </a:xfrm>
+          <a:prstGeom prst="rect">
+            <a:avLst/>
+          </a:prstGeom>
+          <a:noFill/>
+        </p:spPr>
+        <p:txBody>
+          <a:bodyPr wrap="none" rtlCol="0">
+            <a:spAutoFit/>
+          </a:bodyPr>
+          <a:lstStyle/>
+          <a:p>
+            <a:r>
+              <a:rPr lang="en-US" dirty="0"/>
+              <a:t>Admin login</a:t>
+            </a:r>
+          </a:p>
+        </p:txBody>
+      </p:sp>
+    </p:spTree>
+    <p:extLst>
+      <p:ext uri="{BB962C8B-B14F-4D97-AF65-F5344CB8AC3E}">
+        <p14:creationId xmlns:p14="http://schemas.microsoft.com/office/powerpoint/2010/main" val="1235463863"/>
+      </p:ext>
+    </p:extLst>
+  </p:cSld>
+  <p:clrMapOvr>
+    <a:masterClrMapping/>
+  </p:clrMapOvr>
+</p:sld>
+</file>
+
+<file path=ppt/slides/slide8.xml><?xml version="1.0" encoding="utf-8"?>
+<p:sld xmlns:a="http://schemas.openxmlformats.org/drawingml/2006/main" xmlns:r="http://schemas.openxmlformats.org/officeDocument/2006/relationships" xmlns:p="http://schemas.openxmlformats.org/presentationml/2006/main">
+  <p:cSld>
+    <p:spTree>
+      <p:nvGrpSpPr>
+        <p:cNvPr id="1" name=""/>
+        <p:cNvGrpSpPr/>
+        <p:nvPr/>
+      </p:nvGrpSpPr>
+      <p:grpSpPr>
+        <a:xfrm>
+          <a:off x="0" y="0"/>
+          <a:ext cx="0" cy="0"/>
+          <a:chOff x="0" y="0"/>
+          <a:chExt cx="0" cy="0"/>
+        </a:xfrm>
+      </p:grpSpPr>
+      <p:pic>
+        <p:nvPicPr>
+          <p:cNvPr id="3" name="Picture 2">
+            <a:extLst>
+              <a:ext uri="{FF2B5EF4-FFF2-40B4-BE49-F238E27FC236}">
+                <a16:creationId xmlns:a16="http://schemas.microsoft.com/office/drawing/2014/main" id="{80F117E2-FA2F-9C3D-72DE-C6302A30EAAC}"/>
+              </a:ext>
+            </a:extLst>
+          </p:cNvPr>
+          <p:cNvPicPr>
+            <a:picLocks noChangeAspect="1"/>
+          </p:cNvPicPr>
+          <p:nvPr/>
+        </p:nvPicPr>
+        <p:blipFill>
+          <a:blip r:embed="rId2"/>
+          <a:stretch>
+            <a:fillRect/>
+          </a:stretch>
+        </p:blipFill>
+        <p:spPr>
+          <a:xfrm>
+            <a:off x="0" y="0"/>
+            <a:ext cx="12192000" cy="6858000"/>
+          </a:xfrm>
+          <a:prstGeom prst="rect">
+            <a:avLst/>
+          </a:prstGeom>
+        </p:spPr>
+      </p:pic>
+      <p:sp>
+        <p:nvSpPr>
+          <p:cNvPr id="4" name="TextBox 3">
+            <a:extLst>
+              <a:ext uri="{FF2B5EF4-FFF2-40B4-BE49-F238E27FC236}">
+                <a16:creationId xmlns:a16="http://schemas.microsoft.com/office/drawing/2014/main" id="{9A84219D-C3FE-F3FF-1E71-0088BAFB9252}"/>
+              </a:ext>
+            </a:extLst>
+          </p:cNvPr>
+          <p:cNvSpPr txBox="1"/>
+          <p:nvPr/>
+        </p:nvSpPr>
+        <p:spPr>
+          <a:xfrm>
+            <a:off x="4341090" y="5283200"/>
+            <a:ext cx="3207673" cy="369332"/>
+          </a:xfrm>
+          <a:prstGeom prst="rect">
+            <a:avLst/>
+          </a:prstGeom>
+          <a:noFill/>
+        </p:spPr>
+        <p:txBody>
+          <a:bodyPr wrap="none" rtlCol="0">
+            <a:spAutoFit/>
+          </a:bodyPr>
+          <a:lstStyle/>
+          <a:p>
+            <a:r>
+              <a:rPr lang="en-US" dirty="0"/>
+              <a:t>Click Details to view class details</a:t>
+            </a:r>
+          </a:p>
+        </p:txBody>
+      </p:sp>
+    </p:spTree>
+    <p:extLst>
+      <p:ext uri="{BB962C8B-B14F-4D97-AF65-F5344CB8AC3E}">
+        <p14:creationId xmlns:p14="http://schemas.microsoft.com/office/powerpoint/2010/main" val="2544885366"/>
+      </p:ext>
+    </p:extLst>
+  </p:cSld>
+  <p:clrMapOvr>
+    <a:masterClrMapping/>
+  </p:clrMapOvr>
+</p:sld>
+</file>
+
+<file path=ppt/slides/slide9.xml><?xml version="1.0" encoding="utf-8"?>
+<p:sld xmlns:a="http://schemas.openxmlformats.org/drawingml/2006/main" xmlns:r="http://schemas.openxmlformats.org/officeDocument/2006/relationships" xmlns:p="http://schemas.openxmlformats.org/presentationml/2006/main">
+  <p:cSld>
+    <p:spTree>
+      <p:nvGrpSpPr>
+        <p:cNvPr id="1" name=""/>
+        <p:cNvGrpSpPr/>
+        <p:nvPr/>
+      </p:nvGrpSpPr>
+      <p:grpSpPr>
+        <a:xfrm>
+          <a:off x="0" y="0"/>
+          <a:ext cx="0" cy="0"/>
+          <a:chOff x="0" y="0"/>
+          <a:chExt cx="0" cy="0"/>
+        </a:xfrm>
+      </p:grpSpPr>
+      <p:pic>
+        <p:nvPicPr>
+          <p:cNvPr id="3" name="Picture 2">
+            <a:extLst>
+              <a:ext uri="{FF2B5EF4-FFF2-40B4-BE49-F238E27FC236}">
+                <a16:creationId xmlns:a16="http://schemas.microsoft.com/office/drawing/2014/main" id="{85738385-FD68-1EEA-D7F1-AF640CB078CD}"/>
+              </a:ext>
+            </a:extLst>
+          </p:cNvPr>
+          <p:cNvPicPr>
+            <a:picLocks noChangeAspect="1"/>
+          </p:cNvPicPr>
+          <p:nvPr/>
+        </p:nvPicPr>
+        <p:blipFill>
+          <a:blip r:embed="rId2"/>
+          <a:stretch>
+            <a:fillRect/>
+          </a:stretch>
+        </p:blipFill>
+        <p:spPr>
+          <a:xfrm>
+            <a:off x="0" y="0"/>
+            <a:ext cx="12192000" cy="6858000"/>
+          </a:xfrm>
+          <a:prstGeom prst="rect">
+            <a:avLst/>
+          </a:prstGeom>
+        </p:spPr>
+      </p:pic>
+    </p:spTree>
+    <p:extLst>
+      <p:ext uri="{BB962C8B-B14F-4D97-AF65-F5344CB8AC3E}">
+        <p14:creationId xmlns:p14="http://schemas.microsoft.com/office/powerpoint/2010/main" val="4122967482"/>
+      </p:ext>
+    </p:extLst>
+  </p:cSld>
+  <p:clrMapOvr>
+    <a:masterClrMapping/>
+  </p:clrMapOvr>
+</p:sld>
+</file>
+
 <file path=ppt/theme/theme1.xml><?xml version="1.0" encoding="utf-8"?>
 <a:theme xmlns:a="http://schemas.openxmlformats.org/drawingml/2006/main" name="Office Theme">
   <a:themeElements>

--- a/Report.pptx
+++ b/Report.pptx
@@ -5,25 +5,18 @@
     <p:sldMasterId id="2147483648" r:id="rId1"/>
   </p:sldMasterIdLst>
   <p:sldIdLst>
-    <p:sldId id="256" r:id="rId2"/>
-    <p:sldId id="257" r:id="rId3"/>
-    <p:sldId id="258" r:id="rId4"/>
-    <p:sldId id="259" r:id="rId5"/>
-    <p:sldId id="260" r:id="rId6"/>
-    <p:sldId id="261" r:id="rId7"/>
-    <p:sldId id="262" r:id="rId8"/>
-    <p:sldId id="263" r:id="rId9"/>
-    <p:sldId id="265" r:id="rId10"/>
-    <p:sldId id="266" r:id="rId11"/>
-    <p:sldId id="267" r:id="rId12"/>
-    <p:sldId id="268" r:id="rId13"/>
-    <p:sldId id="269" r:id="rId14"/>
-    <p:sldId id="270" r:id="rId15"/>
-    <p:sldId id="271" r:id="rId16"/>
-    <p:sldId id="272" r:id="rId17"/>
-    <p:sldId id="273" r:id="rId18"/>
-    <p:sldId id="274" r:id="rId19"/>
-    <p:sldId id="275" r:id="rId20"/>
+    <p:sldId id="268" r:id="rId2"/>
+    <p:sldId id="256" r:id="rId3"/>
+    <p:sldId id="257" r:id="rId4"/>
+    <p:sldId id="258" r:id="rId5"/>
+    <p:sldId id="259" r:id="rId6"/>
+    <p:sldId id="260" r:id="rId7"/>
+    <p:sldId id="261" r:id="rId8"/>
+    <p:sldId id="262" r:id="rId9"/>
+    <p:sldId id="263" r:id="rId10"/>
+    <p:sldId id="265" r:id="rId11"/>
+    <p:sldId id="266" r:id="rId12"/>
+    <p:sldId id="267" r:id="rId13"/>
   </p:sldIdLst>
   <p:sldSz cx="12192000" cy="6858000"/>
   <p:notesSz cx="6858000" cy="9144000"/>
@@ -3346,73 +3339,109 @@
       </p:grpSpPr>
       <p:sp>
         <p:nvSpPr>
-          <p:cNvPr id="2" name="Title 1">
-            <a:extLst>
-              <a:ext uri="{FF2B5EF4-FFF2-40B4-BE49-F238E27FC236}">
-                <a16:creationId xmlns:a16="http://schemas.microsoft.com/office/drawing/2014/main" id="{80A7817B-CFE5-DC2C-2010-15E83A22E9D0}"/>
-              </a:ext>
-            </a:extLst>
-          </p:cNvPr>
-          <p:cNvSpPr>
-            <a:spLocks noGrp="1"/>
-          </p:cNvSpPr>
-          <p:nvPr>
-            <p:ph type="ctrTitle"/>
-          </p:nvPr>
+          <p:cNvPr id="2" name="TextBox 1">
+            <a:extLst>
+              <a:ext uri="{FF2B5EF4-FFF2-40B4-BE49-F238E27FC236}">
+                <a16:creationId xmlns:a16="http://schemas.microsoft.com/office/drawing/2014/main" id="{29B427EC-55F2-77EB-CBB8-F06343F31058}"/>
+              </a:ext>
+            </a:extLst>
+          </p:cNvPr>
+          <p:cNvSpPr txBox="1"/>
+          <p:nvPr/>
         </p:nvSpPr>
         <p:spPr>
           <a:xfrm>
-            <a:off x="2798618" y="392691"/>
-            <a:ext cx="6446982" cy="678728"/>
+            <a:off x="2934701" y="1884518"/>
+            <a:ext cx="5978303" cy="1015663"/>
           </a:xfrm>
+          <a:prstGeom prst="rect">
+            <a:avLst/>
+          </a:prstGeom>
+          <a:noFill/>
         </p:spPr>
         <p:txBody>
-          <a:bodyPr>
-            <a:normAutofit fontScale="90000"/>
+          <a:bodyPr wrap="none" rtlCol="0">
+            <a:spAutoFit/>
           </a:bodyPr>
           <a:lstStyle/>
           <a:p>
             <a:r>
-              <a:rPr lang="en-US" dirty="0"/>
-              <a:t>Case Study</a:t>
-            </a:r>
-          </a:p>
-        </p:txBody>
-      </p:sp>
-      <p:sp>
-        <p:nvSpPr>
-          <p:cNvPr id="3" name="Subtitle 2">
-            <a:extLst>
-              <a:ext uri="{FF2B5EF4-FFF2-40B4-BE49-F238E27FC236}">
-                <a16:creationId xmlns:a16="http://schemas.microsoft.com/office/drawing/2014/main" id="{8834C282-688D-615B-1E19-29F30C8BD629}"/>
-              </a:ext>
-            </a:extLst>
-          </p:cNvPr>
-          <p:cNvSpPr>
-            <a:spLocks noGrp="1"/>
-          </p:cNvSpPr>
-          <p:nvPr>
-            <p:ph type="subTitle" idx="1"/>
-          </p:nvPr>
+              <a:rPr lang="en-US" sz="6000" dirty="0"/>
+              <a:t>Assignment report</a:t>
+            </a:r>
+          </a:p>
+        </p:txBody>
+      </p:sp>
+      <p:sp>
+        <p:nvSpPr>
+          <p:cNvPr id="3" name="TextBox 2">
+            <a:extLst>
+              <a:ext uri="{FF2B5EF4-FFF2-40B4-BE49-F238E27FC236}">
+                <a16:creationId xmlns:a16="http://schemas.microsoft.com/office/drawing/2014/main" id="{AB33E90C-B0F8-78D2-6FB1-DF4E44437A97}"/>
+              </a:ext>
+            </a:extLst>
+          </p:cNvPr>
+          <p:cNvSpPr txBox="1"/>
+          <p:nvPr/>
         </p:nvSpPr>
         <p:spPr>
           <a:xfrm>
-            <a:off x="1524000" y="1533092"/>
-            <a:ext cx="9144000" cy="1655762"/>
+            <a:off x="4507344" y="3823855"/>
+            <a:ext cx="2833020" cy="369332"/>
           </a:xfrm>
+          <a:prstGeom prst="rect">
+            <a:avLst/>
+          </a:prstGeom>
+          <a:noFill/>
         </p:spPr>
         <p:txBody>
-          <a:bodyPr/>
-          <a:lstStyle/>
-          <a:p>
-            <a:pPr algn="l"/>
-            <a:r>
-              <a:rPr lang="en-US" dirty="0"/>
-              <a:t>	</a:t>
+          <a:bodyPr wrap="none" rtlCol="0">
+            <a:spAutoFit/>
+          </a:bodyPr>
+          <a:lstStyle/>
+          <a:p>
+            <a:r>
+              <a:rPr lang="en-US" dirty="0"/>
+              <a:t>Trần Đức Thắng – HE160619</a:t>
+            </a:r>
+          </a:p>
+        </p:txBody>
+      </p:sp>
+      <p:sp>
+        <p:nvSpPr>
+          <p:cNvPr id="4" name="TextBox 3">
+            <a:extLst>
+              <a:ext uri="{FF2B5EF4-FFF2-40B4-BE49-F238E27FC236}">
+                <a16:creationId xmlns:a16="http://schemas.microsoft.com/office/drawing/2014/main" id="{746D9D10-6E27-49A7-09C5-3CD494F97435}"/>
+              </a:ext>
+            </a:extLst>
+          </p:cNvPr>
+          <p:cNvSpPr txBox="1"/>
+          <p:nvPr/>
+        </p:nvSpPr>
+        <p:spPr>
+          <a:xfrm>
+            <a:off x="3388608" y="3084962"/>
+            <a:ext cx="5070491" cy="369332"/>
+          </a:xfrm>
+          <a:prstGeom prst="rect">
+            <a:avLst/>
+          </a:prstGeom>
+          <a:noFill/>
+        </p:spPr>
+        <p:txBody>
+          <a:bodyPr wrap="none" rtlCol="0">
+            <a:spAutoFit/>
+          </a:bodyPr>
+          <a:lstStyle/>
+          <a:p>
+            <a:r>
+              <a:rPr lang="en-US" dirty="0"/>
+              <a:t>Topic: web </a:t>
             </a:r>
             <a:r>
               <a:rPr lang="en-US" dirty="0" err="1"/>
-              <a:t>Một</a:t>
+              <a:t>quản</a:t>
             </a:r>
             <a:r>
               <a:rPr lang="en-US" dirty="0"/>
@@ -3420,7 +3449,7 @@
             </a:r>
             <a:r>
               <a:rPr lang="en-US" dirty="0" err="1"/>
-              <a:t>nhà</a:t>
+              <a:t>lý</a:t>
             </a:r>
             <a:r>
               <a:rPr lang="en-US" dirty="0"/>
@@ -3428,7 +3457,7 @@
             </a:r>
             <a:r>
               <a:rPr lang="en-US" dirty="0" err="1"/>
-              <a:t>trường</a:t>
+              <a:t>việc</a:t>
             </a:r>
             <a:r>
               <a:rPr lang="en-US" dirty="0"/>
@@ -3436,7 +3465,7 @@
             </a:r>
             <a:r>
               <a:rPr lang="en-US" dirty="0" err="1"/>
-              <a:t>yêu</a:t>
+              <a:t>đăng</a:t>
             </a:r>
             <a:r>
               <a:rPr lang="en-US" dirty="0"/>
@@ -3444,7 +3473,7 @@
             </a:r>
             <a:r>
               <a:rPr lang="en-US" dirty="0" err="1"/>
-              <a:t>cầu</a:t>
+              <a:t>kí</a:t>
             </a:r>
             <a:r>
               <a:rPr lang="en-US" dirty="0"/>
@@ -3452,7 +3481,7 @@
             </a:r>
             <a:r>
               <a:rPr lang="en-US" dirty="0" err="1"/>
-              <a:t>làm</a:t>
+              <a:t>học</a:t>
             </a:r>
             <a:r>
               <a:rPr lang="en-US" dirty="0"/>
@@ -3460,23 +3489,15 @@
             </a:r>
             <a:r>
               <a:rPr lang="en-US" dirty="0" err="1"/>
-              <a:t>một</a:t>
-            </a:r>
-            <a:r>
-              <a:rPr lang="en-US" dirty="0"/>
-              <a:t> website </a:t>
+              <a:t>lại</a:t>
+            </a:r>
+            <a:r>
+              <a:rPr lang="en-US" dirty="0"/>
+              <a:t> </a:t>
             </a:r>
             <a:r>
               <a:rPr lang="en-US" dirty="0" err="1"/>
-              <a:t>cho</a:t>
-            </a:r>
-            <a:r>
-              <a:rPr lang="en-US" dirty="0"/>
-              <a:t> </a:t>
-            </a:r>
-            <a:r>
-              <a:rPr lang="en-US" dirty="0" err="1"/>
-              <a:t>phép</a:t>
+              <a:t>của</a:t>
             </a:r>
             <a:r>
               <a:rPr lang="en-US" dirty="0"/>
@@ -3493,250 +3514,6 @@
             <a:r>
               <a:rPr lang="en-US" dirty="0" err="1"/>
               <a:t>viên</a:t>
-            </a:r>
-            <a:r>
-              <a:rPr lang="en-US" dirty="0"/>
-              <a:t> </a:t>
-            </a:r>
-            <a:r>
-              <a:rPr lang="en-US" dirty="0" err="1"/>
-              <a:t>đăng</a:t>
-            </a:r>
-            <a:r>
-              <a:rPr lang="en-US" dirty="0"/>
-              <a:t> </a:t>
-            </a:r>
-            <a:r>
-              <a:rPr lang="en-US" dirty="0" err="1"/>
-              <a:t>ký</a:t>
-            </a:r>
-            <a:r>
-              <a:rPr lang="en-US" dirty="0"/>
-              <a:t> </a:t>
-            </a:r>
-            <a:r>
-              <a:rPr lang="en-US" dirty="0" err="1"/>
-              <a:t>học</a:t>
-            </a:r>
-            <a:r>
-              <a:rPr lang="en-US" dirty="0"/>
-              <a:t> </a:t>
-            </a:r>
-            <a:r>
-              <a:rPr lang="en-US" dirty="0" err="1"/>
-              <a:t>lại</a:t>
-            </a:r>
-            <a:r>
-              <a:rPr lang="en-US" dirty="0"/>
-              <a:t> </a:t>
-            </a:r>
-            <a:r>
-              <a:rPr lang="en-US" dirty="0" err="1"/>
-              <a:t>môn</a:t>
-            </a:r>
-            <a:r>
-              <a:rPr lang="en-US" dirty="0"/>
-              <a:t> </a:t>
-            </a:r>
-            <a:r>
-              <a:rPr lang="en-US" dirty="0" err="1"/>
-              <a:t>bằng</a:t>
-            </a:r>
-            <a:r>
-              <a:rPr lang="en-US" dirty="0"/>
-              <a:t> </a:t>
-            </a:r>
-            <a:r>
-              <a:rPr lang="en-US" dirty="0" err="1"/>
-              <a:t>cách</a:t>
-            </a:r>
-            <a:r>
-              <a:rPr lang="en-US" dirty="0"/>
-              <a:t> </a:t>
-            </a:r>
-            <a:r>
-              <a:rPr lang="en-US" dirty="0" err="1"/>
-              <a:t>chọn</a:t>
-            </a:r>
-            <a:r>
-              <a:rPr lang="en-US" dirty="0"/>
-              <a:t> </a:t>
-            </a:r>
-            <a:r>
-              <a:rPr lang="en-US" dirty="0" err="1"/>
-              <a:t>lớp</a:t>
-            </a:r>
-            <a:r>
-              <a:rPr lang="en-US" dirty="0"/>
-              <a:t> </a:t>
-            </a:r>
-            <a:r>
-              <a:rPr lang="en-US" dirty="0" err="1"/>
-              <a:t>có</a:t>
-            </a:r>
-            <a:r>
-              <a:rPr lang="en-US" dirty="0"/>
-              <a:t> </a:t>
-            </a:r>
-            <a:r>
-              <a:rPr lang="en-US" dirty="0" err="1"/>
-              <a:t>sẵn</a:t>
-            </a:r>
-            <a:r>
-              <a:rPr lang="en-US" dirty="0"/>
-              <a:t> </a:t>
-            </a:r>
-            <a:r>
-              <a:rPr lang="en-US" dirty="0" err="1"/>
-              <a:t>hoặc</a:t>
-            </a:r>
-            <a:r>
-              <a:rPr lang="en-US" dirty="0"/>
-              <a:t> </a:t>
-            </a:r>
-            <a:r>
-              <a:rPr lang="en-US" dirty="0" err="1"/>
-              <a:t>gửi</a:t>
-            </a:r>
-            <a:r>
-              <a:rPr lang="en-US" dirty="0"/>
-              <a:t> </a:t>
-            </a:r>
-            <a:r>
-              <a:rPr lang="en-US" dirty="0" err="1"/>
-              <a:t>đơn</a:t>
-            </a:r>
-            <a:r>
-              <a:rPr lang="en-US" dirty="0"/>
-              <a:t> </a:t>
-            </a:r>
-            <a:r>
-              <a:rPr lang="en-US" dirty="0" err="1"/>
-              <a:t>yêu</a:t>
-            </a:r>
-            <a:r>
-              <a:rPr lang="en-US" dirty="0"/>
-              <a:t> </a:t>
-            </a:r>
-            <a:r>
-              <a:rPr lang="en-US" dirty="0" err="1"/>
-              <a:t>cầu</a:t>
-            </a:r>
-            <a:r>
-              <a:rPr lang="en-US" dirty="0"/>
-              <a:t> </a:t>
-            </a:r>
-            <a:r>
-              <a:rPr lang="en-US" dirty="0" err="1"/>
-              <a:t>mở</a:t>
-            </a:r>
-            <a:r>
-              <a:rPr lang="en-US"/>
-              <a:t> lớp</a:t>
-            </a:r>
-            <a:r>
-              <a:rPr lang="en-US" dirty="0"/>
-              <a:t>. Admin </a:t>
-            </a:r>
-            <a:r>
-              <a:rPr lang="en-US" dirty="0" err="1"/>
-              <a:t>có</a:t>
-            </a:r>
-            <a:r>
-              <a:rPr lang="en-US" dirty="0"/>
-              <a:t> </a:t>
-            </a:r>
-            <a:r>
-              <a:rPr lang="en-US" dirty="0" err="1"/>
-              <a:t>thể</a:t>
-            </a:r>
-            <a:r>
-              <a:rPr lang="en-US" dirty="0"/>
-              <a:t> </a:t>
-            </a:r>
-            <a:r>
-              <a:rPr lang="en-US" dirty="0" err="1"/>
-              <a:t>xem</a:t>
-            </a:r>
-            <a:r>
-              <a:rPr lang="en-US" dirty="0"/>
-              <a:t> </a:t>
-            </a:r>
-            <a:r>
-              <a:rPr lang="en-US" dirty="0" err="1"/>
-              <a:t>thông</a:t>
-            </a:r>
-            <a:r>
-              <a:rPr lang="en-US" dirty="0"/>
-              <a:t> tin </a:t>
-            </a:r>
-            <a:r>
-              <a:rPr lang="en-US" dirty="0" err="1"/>
-              <a:t>các</a:t>
-            </a:r>
-            <a:r>
-              <a:rPr lang="en-US" dirty="0"/>
-              <a:t> </a:t>
-            </a:r>
-            <a:r>
-              <a:rPr lang="en-US" dirty="0" err="1"/>
-              <a:t>lớp</a:t>
-            </a:r>
-            <a:r>
-              <a:rPr lang="en-US" dirty="0"/>
-              <a:t>, </a:t>
-            </a:r>
-            <a:r>
-              <a:rPr lang="en-US" dirty="0" err="1"/>
-              <a:t>và</a:t>
-            </a:r>
-            <a:r>
-              <a:rPr lang="en-US" dirty="0"/>
-              <a:t> </a:t>
-            </a:r>
-            <a:r>
-              <a:rPr lang="en-US" dirty="0" err="1"/>
-              <a:t>chấp</a:t>
-            </a:r>
-            <a:r>
-              <a:rPr lang="en-US" dirty="0"/>
-              <a:t> </a:t>
-            </a:r>
-            <a:r>
-              <a:rPr lang="en-US" dirty="0" err="1"/>
-              <a:t>nhận</a:t>
-            </a:r>
-            <a:r>
-              <a:rPr lang="en-US" dirty="0"/>
-              <a:t> </a:t>
-            </a:r>
-            <a:r>
-              <a:rPr lang="en-US" dirty="0" err="1"/>
-              <a:t>yêu</a:t>
-            </a:r>
-            <a:r>
-              <a:rPr lang="en-US" dirty="0"/>
-              <a:t> </a:t>
-            </a:r>
-            <a:r>
-              <a:rPr lang="en-US" dirty="0" err="1"/>
-              <a:t>cầu</a:t>
-            </a:r>
-            <a:r>
-              <a:rPr lang="en-US" dirty="0"/>
-              <a:t> </a:t>
-            </a:r>
-            <a:r>
-              <a:rPr lang="en-US" dirty="0" err="1"/>
-              <a:t>mở</a:t>
-            </a:r>
-            <a:r>
-              <a:rPr lang="en-US" dirty="0"/>
-              <a:t> </a:t>
-            </a:r>
-            <a:r>
-              <a:rPr lang="en-US" dirty="0" err="1"/>
-              <a:t>lớp</a:t>
             </a:r>
             <a:r>
               <a:rPr lang="en-US" dirty="0"/>
@@ -3748,7 +3525,7 @@
     </p:spTree>
     <p:extLst>
       <p:ext uri="{BB962C8B-B14F-4D97-AF65-F5344CB8AC3E}">
-        <p14:creationId xmlns:p14="http://schemas.microsoft.com/office/powerpoint/2010/main" val="3351780220"/>
+        <p14:creationId xmlns:p14="http://schemas.microsoft.com/office/powerpoint/2010/main" val="486642866"/>
       </p:ext>
     </p:extLst>
   </p:cSld>
@@ -3780,7 +3557,7 @@
           <p:cNvPr id="3" name="Picture 2">
             <a:extLst>
               <a:ext uri="{FF2B5EF4-FFF2-40B4-BE49-F238E27FC236}">
-                <a16:creationId xmlns:a16="http://schemas.microsoft.com/office/drawing/2014/main" id="{A3269F56-012C-E918-F86D-340932BF893F}"/>
+                <a16:creationId xmlns:a16="http://schemas.microsoft.com/office/drawing/2014/main" id="{85738385-FD68-1EEA-D7F1-AF640CB078CD}"/>
               </a:ext>
             </a:extLst>
           </p:cNvPr>
@@ -3805,45 +3582,10 @@
           </a:prstGeom>
         </p:spPr>
       </p:pic>
-      <p:sp>
-        <p:nvSpPr>
-          <p:cNvPr id="4" name="TextBox 3">
-            <a:extLst>
-              <a:ext uri="{FF2B5EF4-FFF2-40B4-BE49-F238E27FC236}">
-                <a16:creationId xmlns:a16="http://schemas.microsoft.com/office/drawing/2014/main" id="{9D04DD8D-3DAF-65E9-1A34-A1398BB0DBC7}"/>
-              </a:ext>
-            </a:extLst>
-          </p:cNvPr>
-          <p:cNvSpPr txBox="1"/>
-          <p:nvPr/>
-        </p:nvSpPr>
-        <p:spPr>
-          <a:xfrm>
-            <a:off x="2125329" y="4784437"/>
-            <a:ext cx="7941341" cy="369332"/>
-          </a:xfrm>
-          <a:prstGeom prst="rect">
-            <a:avLst/>
-          </a:prstGeom>
-          <a:noFill/>
-        </p:spPr>
-        <p:txBody>
-          <a:bodyPr wrap="none" rtlCol="0">
-            <a:spAutoFit/>
-          </a:bodyPr>
-          <a:lstStyle/>
-          <a:p>
-            <a:r>
-              <a:rPr lang="en-US" dirty="0"/>
-              <a:t>Approve to open new class and add students that requested to the class or Decline</a:t>
-            </a:r>
-          </a:p>
-        </p:txBody>
-      </p:sp>
     </p:spTree>
     <p:extLst>
       <p:ext uri="{BB962C8B-B14F-4D97-AF65-F5344CB8AC3E}">
-        <p14:creationId xmlns:p14="http://schemas.microsoft.com/office/powerpoint/2010/main" val="2315304210"/>
+        <p14:creationId xmlns:p14="http://schemas.microsoft.com/office/powerpoint/2010/main" val="4122967482"/>
       </p:ext>
     </p:extLst>
   </p:cSld>
@@ -3870,10 +3612,75 @@
           <a:chExt cx="0" cy="0"/>
         </a:xfrm>
       </p:grpSpPr>
+      <p:pic>
+        <p:nvPicPr>
+          <p:cNvPr id="3" name="Picture 2">
+            <a:extLst>
+              <a:ext uri="{FF2B5EF4-FFF2-40B4-BE49-F238E27FC236}">
+                <a16:creationId xmlns:a16="http://schemas.microsoft.com/office/drawing/2014/main" id="{A3269F56-012C-E918-F86D-340932BF893F}"/>
+              </a:ext>
+            </a:extLst>
+          </p:cNvPr>
+          <p:cNvPicPr>
+            <a:picLocks noChangeAspect="1"/>
+          </p:cNvPicPr>
+          <p:nvPr/>
+        </p:nvPicPr>
+        <p:blipFill>
+          <a:blip r:embed="rId2"/>
+          <a:stretch>
+            <a:fillRect/>
+          </a:stretch>
+        </p:blipFill>
+        <p:spPr>
+          <a:xfrm>
+            <a:off x="0" y="0"/>
+            <a:ext cx="12192000" cy="6858000"/>
+          </a:xfrm>
+          <a:prstGeom prst="rect">
+            <a:avLst/>
+          </a:prstGeom>
+        </p:spPr>
+      </p:pic>
+      <p:sp>
+        <p:nvSpPr>
+          <p:cNvPr id="4" name="TextBox 3">
+            <a:extLst>
+              <a:ext uri="{FF2B5EF4-FFF2-40B4-BE49-F238E27FC236}">
+                <a16:creationId xmlns:a16="http://schemas.microsoft.com/office/drawing/2014/main" id="{9D04DD8D-3DAF-65E9-1A34-A1398BB0DBC7}"/>
+              </a:ext>
+            </a:extLst>
+          </p:cNvPr>
+          <p:cNvSpPr txBox="1"/>
+          <p:nvPr/>
+        </p:nvSpPr>
+        <p:spPr>
+          <a:xfrm>
+            <a:off x="2125329" y="4784437"/>
+            <a:ext cx="7941341" cy="369332"/>
+          </a:xfrm>
+          <a:prstGeom prst="rect">
+            <a:avLst/>
+          </a:prstGeom>
+          <a:noFill/>
+        </p:spPr>
+        <p:txBody>
+          <a:bodyPr wrap="none" rtlCol="0">
+            <a:spAutoFit/>
+          </a:bodyPr>
+          <a:lstStyle/>
+          <a:p>
+            <a:r>
+              <a:rPr lang="en-US" dirty="0"/>
+              <a:t>Approve to open new class and add students that requested to the class or Decline</a:t>
+            </a:r>
+          </a:p>
+        </p:txBody>
+      </p:sp>
     </p:spTree>
     <p:extLst>
       <p:ext uri="{BB962C8B-B14F-4D97-AF65-F5344CB8AC3E}">
-        <p14:creationId xmlns:p14="http://schemas.microsoft.com/office/powerpoint/2010/main" val="3142573781"/>
+        <p14:creationId xmlns:p14="http://schemas.microsoft.com/office/powerpoint/2010/main" val="2315304210"/>
       </p:ext>
     </p:extLst>
   </p:cSld>
@@ -3900,220 +3707,75 @@
           <a:chExt cx="0" cy="0"/>
         </a:xfrm>
       </p:grpSpPr>
+      <p:pic>
+        <p:nvPicPr>
+          <p:cNvPr id="3" name="Picture 2">
+            <a:extLst>
+              <a:ext uri="{FF2B5EF4-FFF2-40B4-BE49-F238E27FC236}">
+                <a16:creationId xmlns:a16="http://schemas.microsoft.com/office/drawing/2014/main" id="{57ED6623-EE9D-5044-F4DD-561D0E24E18B}"/>
+              </a:ext>
+            </a:extLst>
+          </p:cNvPr>
+          <p:cNvPicPr>
+            <a:picLocks noChangeAspect="1"/>
+          </p:cNvPicPr>
+          <p:nvPr/>
+        </p:nvPicPr>
+        <p:blipFill>
+          <a:blip r:embed="rId2"/>
+          <a:stretch>
+            <a:fillRect/>
+          </a:stretch>
+        </p:blipFill>
+        <p:spPr>
+          <a:xfrm>
+            <a:off x="6640249" y="0"/>
+            <a:ext cx="4693466" cy="6858000"/>
+          </a:xfrm>
+          <a:prstGeom prst="rect">
+            <a:avLst/>
+          </a:prstGeom>
+        </p:spPr>
+      </p:pic>
+      <p:sp>
+        <p:nvSpPr>
+          <p:cNvPr id="4" name="TextBox 3">
+            <a:extLst>
+              <a:ext uri="{FF2B5EF4-FFF2-40B4-BE49-F238E27FC236}">
+                <a16:creationId xmlns:a16="http://schemas.microsoft.com/office/drawing/2014/main" id="{D75258B1-FD52-88AD-AC55-B0E57FF19CD5}"/>
+              </a:ext>
+            </a:extLst>
+          </p:cNvPr>
+          <p:cNvSpPr txBox="1"/>
+          <p:nvPr/>
+        </p:nvSpPr>
+        <p:spPr>
+          <a:xfrm>
+            <a:off x="2761673" y="2890981"/>
+            <a:ext cx="1284198" cy="769441"/>
+          </a:xfrm>
+          <a:prstGeom prst="rect">
+            <a:avLst/>
+          </a:prstGeom>
+          <a:noFill/>
+        </p:spPr>
+        <p:txBody>
+          <a:bodyPr wrap="none" rtlCol="0">
+            <a:spAutoFit/>
+          </a:bodyPr>
+          <a:lstStyle/>
+          <a:p>
+            <a:r>
+              <a:rPr lang="en-US" sz="4400" dirty="0"/>
+              <a:t>MVC</a:t>
+            </a:r>
+          </a:p>
+        </p:txBody>
+      </p:sp>
     </p:spTree>
     <p:extLst>
       <p:ext uri="{BB962C8B-B14F-4D97-AF65-F5344CB8AC3E}">
-        <p14:creationId xmlns:p14="http://schemas.microsoft.com/office/powerpoint/2010/main" val="486642866"/>
-      </p:ext>
-    </p:extLst>
-  </p:cSld>
-  <p:clrMapOvr>
-    <a:masterClrMapping/>
-  </p:clrMapOvr>
-</p:sld>
-</file>
-
-<file path=ppt/slides/slide13.xml><?xml version="1.0" encoding="utf-8"?>
-<p:sld xmlns:a="http://schemas.openxmlformats.org/drawingml/2006/main" xmlns:r="http://schemas.openxmlformats.org/officeDocument/2006/relationships" xmlns:p="http://schemas.openxmlformats.org/presentationml/2006/main">
-  <p:cSld>
-    <p:spTree>
-      <p:nvGrpSpPr>
-        <p:cNvPr id="1" name=""/>
-        <p:cNvGrpSpPr/>
-        <p:nvPr/>
-      </p:nvGrpSpPr>
-      <p:grpSpPr>
-        <a:xfrm>
-          <a:off x="0" y="0"/>
-          <a:ext cx="0" cy="0"/>
-          <a:chOff x="0" y="0"/>
-          <a:chExt cx="0" cy="0"/>
-        </a:xfrm>
-      </p:grpSpPr>
-    </p:spTree>
-    <p:extLst>
-      <p:ext uri="{BB962C8B-B14F-4D97-AF65-F5344CB8AC3E}">
-        <p14:creationId xmlns:p14="http://schemas.microsoft.com/office/powerpoint/2010/main" val="879320672"/>
-      </p:ext>
-    </p:extLst>
-  </p:cSld>
-  <p:clrMapOvr>
-    <a:masterClrMapping/>
-  </p:clrMapOvr>
-</p:sld>
-</file>
-
-<file path=ppt/slides/slide14.xml><?xml version="1.0" encoding="utf-8"?>
-<p:sld xmlns:a="http://schemas.openxmlformats.org/drawingml/2006/main" xmlns:r="http://schemas.openxmlformats.org/officeDocument/2006/relationships" xmlns:p="http://schemas.openxmlformats.org/presentationml/2006/main">
-  <p:cSld>
-    <p:spTree>
-      <p:nvGrpSpPr>
-        <p:cNvPr id="1" name=""/>
-        <p:cNvGrpSpPr/>
-        <p:nvPr/>
-      </p:nvGrpSpPr>
-      <p:grpSpPr>
-        <a:xfrm>
-          <a:off x="0" y="0"/>
-          <a:ext cx="0" cy="0"/>
-          <a:chOff x="0" y="0"/>
-          <a:chExt cx="0" cy="0"/>
-        </a:xfrm>
-      </p:grpSpPr>
-    </p:spTree>
-    <p:extLst>
-      <p:ext uri="{BB962C8B-B14F-4D97-AF65-F5344CB8AC3E}">
-        <p14:creationId xmlns:p14="http://schemas.microsoft.com/office/powerpoint/2010/main" val="2285978651"/>
-      </p:ext>
-    </p:extLst>
-  </p:cSld>
-  <p:clrMapOvr>
-    <a:masterClrMapping/>
-  </p:clrMapOvr>
-</p:sld>
-</file>
-
-<file path=ppt/slides/slide15.xml><?xml version="1.0" encoding="utf-8"?>
-<p:sld xmlns:a="http://schemas.openxmlformats.org/drawingml/2006/main" xmlns:r="http://schemas.openxmlformats.org/officeDocument/2006/relationships" xmlns:p="http://schemas.openxmlformats.org/presentationml/2006/main">
-  <p:cSld>
-    <p:spTree>
-      <p:nvGrpSpPr>
-        <p:cNvPr id="1" name=""/>
-        <p:cNvGrpSpPr/>
-        <p:nvPr/>
-      </p:nvGrpSpPr>
-      <p:grpSpPr>
-        <a:xfrm>
-          <a:off x="0" y="0"/>
-          <a:ext cx="0" cy="0"/>
-          <a:chOff x="0" y="0"/>
-          <a:chExt cx="0" cy="0"/>
-        </a:xfrm>
-      </p:grpSpPr>
-    </p:spTree>
-    <p:extLst>
-      <p:ext uri="{BB962C8B-B14F-4D97-AF65-F5344CB8AC3E}">
-        <p14:creationId xmlns:p14="http://schemas.microsoft.com/office/powerpoint/2010/main" val="265642893"/>
-      </p:ext>
-    </p:extLst>
-  </p:cSld>
-  <p:clrMapOvr>
-    <a:masterClrMapping/>
-  </p:clrMapOvr>
-</p:sld>
-</file>
-
-<file path=ppt/slides/slide16.xml><?xml version="1.0" encoding="utf-8"?>
-<p:sld xmlns:a="http://schemas.openxmlformats.org/drawingml/2006/main" xmlns:r="http://schemas.openxmlformats.org/officeDocument/2006/relationships" xmlns:p="http://schemas.openxmlformats.org/presentationml/2006/main">
-  <p:cSld>
-    <p:spTree>
-      <p:nvGrpSpPr>
-        <p:cNvPr id="1" name=""/>
-        <p:cNvGrpSpPr/>
-        <p:nvPr/>
-      </p:nvGrpSpPr>
-      <p:grpSpPr>
-        <a:xfrm>
-          <a:off x="0" y="0"/>
-          <a:ext cx="0" cy="0"/>
-          <a:chOff x="0" y="0"/>
-          <a:chExt cx="0" cy="0"/>
-        </a:xfrm>
-      </p:grpSpPr>
-    </p:spTree>
-    <p:extLst>
-      <p:ext uri="{BB962C8B-B14F-4D97-AF65-F5344CB8AC3E}">
-        <p14:creationId xmlns:p14="http://schemas.microsoft.com/office/powerpoint/2010/main" val="25319222"/>
-      </p:ext>
-    </p:extLst>
-  </p:cSld>
-  <p:clrMapOvr>
-    <a:masterClrMapping/>
-  </p:clrMapOvr>
-</p:sld>
-</file>
-
-<file path=ppt/slides/slide17.xml><?xml version="1.0" encoding="utf-8"?>
-<p:sld xmlns:a="http://schemas.openxmlformats.org/drawingml/2006/main" xmlns:r="http://schemas.openxmlformats.org/officeDocument/2006/relationships" xmlns:p="http://schemas.openxmlformats.org/presentationml/2006/main">
-  <p:cSld>
-    <p:spTree>
-      <p:nvGrpSpPr>
-        <p:cNvPr id="1" name=""/>
-        <p:cNvGrpSpPr/>
-        <p:nvPr/>
-      </p:nvGrpSpPr>
-      <p:grpSpPr>
-        <a:xfrm>
-          <a:off x="0" y="0"/>
-          <a:ext cx="0" cy="0"/>
-          <a:chOff x="0" y="0"/>
-          <a:chExt cx="0" cy="0"/>
-        </a:xfrm>
-      </p:grpSpPr>
-    </p:spTree>
-    <p:extLst>
-      <p:ext uri="{BB962C8B-B14F-4D97-AF65-F5344CB8AC3E}">
-        <p14:creationId xmlns:p14="http://schemas.microsoft.com/office/powerpoint/2010/main" val="1150249209"/>
-      </p:ext>
-    </p:extLst>
-  </p:cSld>
-  <p:clrMapOvr>
-    <a:masterClrMapping/>
-  </p:clrMapOvr>
-</p:sld>
-</file>
-
-<file path=ppt/slides/slide18.xml><?xml version="1.0" encoding="utf-8"?>
-<p:sld xmlns:a="http://schemas.openxmlformats.org/drawingml/2006/main" xmlns:r="http://schemas.openxmlformats.org/officeDocument/2006/relationships" xmlns:p="http://schemas.openxmlformats.org/presentationml/2006/main">
-  <p:cSld>
-    <p:spTree>
-      <p:nvGrpSpPr>
-        <p:cNvPr id="1" name=""/>
-        <p:cNvGrpSpPr/>
-        <p:nvPr/>
-      </p:nvGrpSpPr>
-      <p:grpSpPr>
-        <a:xfrm>
-          <a:off x="0" y="0"/>
-          <a:ext cx="0" cy="0"/>
-          <a:chOff x="0" y="0"/>
-          <a:chExt cx="0" cy="0"/>
-        </a:xfrm>
-      </p:grpSpPr>
-    </p:spTree>
-    <p:extLst>
-      <p:ext uri="{BB962C8B-B14F-4D97-AF65-F5344CB8AC3E}">
-        <p14:creationId xmlns:p14="http://schemas.microsoft.com/office/powerpoint/2010/main" val="2249201759"/>
-      </p:ext>
-    </p:extLst>
-  </p:cSld>
-  <p:clrMapOvr>
-    <a:masterClrMapping/>
-  </p:clrMapOvr>
-</p:sld>
-</file>
-
-<file path=ppt/slides/slide19.xml><?xml version="1.0" encoding="utf-8"?>
-<p:sld xmlns:a="http://schemas.openxmlformats.org/drawingml/2006/main" xmlns:r="http://schemas.openxmlformats.org/officeDocument/2006/relationships" xmlns:p="http://schemas.openxmlformats.org/presentationml/2006/main">
-  <p:cSld>
-    <p:spTree>
-      <p:nvGrpSpPr>
-        <p:cNvPr id="1" name=""/>
-        <p:cNvGrpSpPr/>
-        <p:nvPr/>
-      </p:nvGrpSpPr>
-      <p:grpSpPr>
-        <a:xfrm>
-          <a:off x="0" y="0"/>
-          <a:ext cx="0" cy="0"/>
-          <a:chOff x="0" y="0"/>
-          <a:chExt cx="0" cy="0"/>
-        </a:xfrm>
-      </p:grpSpPr>
-    </p:spTree>
-    <p:extLst>
-      <p:ext uri="{BB962C8B-B14F-4D97-AF65-F5344CB8AC3E}">
-        <p14:creationId xmlns:p14="http://schemas.microsoft.com/office/powerpoint/2010/main" val="3611916331"/>
+        <p14:creationId xmlns:p14="http://schemas.microsoft.com/office/powerpoint/2010/main" val="3142573781"/>
       </p:ext>
     </p:extLst>
   </p:cSld>
@@ -4140,86 +3802,403 @@
           <a:chExt cx="0" cy="0"/>
         </a:xfrm>
       </p:grpSpPr>
-      <p:pic>
-        <p:nvPicPr>
-          <p:cNvPr id="5" name="Picture 4">
-            <a:extLst>
-              <a:ext uri="{FF2B5EF4-FFF2-40B4-BE49-F238E27FC236}">
-                <a16:creationId xmlns:a16="http://schemas.microsoft.com/office/drawing/2014/main" id="{177EE6A2-9364-D904-0DA4-2187FED3DEF6}"/>
-              </a:ext>
-            </a:extLst>
-          </p:cNvPr>
-          <p:cNvPicPr>
-            <a:picLocks noChangeAspect="1"/>
-          </p:cNvPicPr>
-          <p:nvPr/>
-        </p:nvPicPr>
-        <p:blipFill>
-          <a:blip r:embed="rId2"/>
-          <a:stretch>
-            <a:fillRect/>
-          </a:stretch>
-        </p:blipFill>
+      <p:sp>
+        <p:nvSpPr>
+          <p:cNvPr id="2" name="Title 1">
+            <a:extLst>
+              <a:ext uri="{FF2B5EF4-FFF2-40B4-BE49-F238E27FC236}">
+                <a16:creationId xmlns:a16="http://schemas.microsoft.com/office/drawing/2014/main" id="{80A7817B-CFE5-DC2C-2010-15E83A22E9D0}"/>
+              </a:ext>
+            </a:extLst>
+          </p:cNvPr>
+          <p:cNvSpPr>
+            <a:spLocks noGrp="1"/>
+          </p:cNvSpPr>
+          <p:nvPr>
+            <p:ph type="ctrTitle"/>
+          </p:nvPr>
+        </p:nvSpPr>
         <p:spPr>
           <a:xfrm>
-            <a:off x="0" y="330071"/>
-            <a:ext cx="12192000" cy="6419530"/>
+            <a:off x="2798618" y="392691"/>
+            <a:ext cx="6446982" cy="678728"/>
           </a:xfrm>
-          <a:prstGeom prst="rect">
-            <a:avLst/>
-          </a:prstGeom>
         </p:spPr>
-      </p:pic>
-      <p:sp>
-        <p:nvSpPr>
-          <p:cNvPr id="8" name="Title 1">
-            <a:extLst>
-              <a:ext uri="{FF2B5EF4-FFF2-40B4-BE49-F238E27FC236}">
-                <a16:creationId xmlns:a16="http://schemas.microsoft.com/office/drawing/2014/main" id="{92B5ED4B-F536-CC35-9770-6ECF7F834510}"/>
-              </a:ext>
-            </a:extLst>
-          </p:cNvPr>
-          <p:cNvSpPr txBox="1">
-            <a:spLocks/>
-          </p:cNvSpPr>
-          <p:nvPr/>
+        <p:txBody>
+          <a:bodyPr>
+            <a:normAutofit fontScale="90000"/>
+          </a:bodyPr>
+          <a:lstStyle/>
+          <a:p>
+            <a:r>
+              <a:rPr lang="en-US" dirty="0"/>
+              <a:t>Case Study</a:t>
+            </a:r>
+          </a:p>
+        </p:txBody>
+      </p:sp>
+      <p:sp>
+        <p:nvSpPr>
+          <p:cNvPr id="3" name="Subtitle 2">
+            <a:extLst>
+              <a:ext uri="{FF2B5EF4-FFF2-40B4-BE49-F238E27FC236}">
+                <a16:creationId xmlns:a16="http://schemas.microsoft.com/office/drawing/2014/main" id="{8834C282-688D-615B-1E19-29F30C8BD629}"/>
+              </a:ext>
+            </a:extLst>
+          </p:cNvPr>
+          <p:cNvSpPr>
+            <a:spLocks noGrp="1"/>
+          </p:cNvSpPr>
+          <p:nvPr>
+            <p:ph type="subTitle" idx="1"/>
+          </p:nvPr>
         </p:nvSpPr>
         <p:spPr>
           <a:xfrm>
-            <a:off x="7407563" y="330071"/>
-            <a:ext cx="6446982" cy="678728"/>
+            <a:off x="1524000" y="1533092"/>
+            <a:ext cx="9144000" cy="1655762"/>
           </a:xfrm>
-          <a:prstGeom prst="rect">
-            <a:avLst/>
-          </a:prstGeom>
         </p:spPr>
         <p:txBody>
-          <a:bodyPr vert="horz" lIns="91440" tIns="45720" rIns="91440" bIns="45720" rtlCol="0" anchor="ctr">
-            <a:normAutofit fontScale="97500" lnSpcReduction="10000"/>
-          </a:bodyPr>
-          <a:lstStyle>
-            <a:lvl1pPr algn="l" defTabSz="914400" rtl="0" eaLnBrk="1" latinLnBrk="0" hangingPunct="1">
-              <a:lnSpc>
-                <a:spcPct val="90000"/>
-              </a:lnSpc>
-              <a:spcBef>
-                <a:spcPct val="0"/>
-              </a:spcBef>
-              <a:buNone/>
-              <a:defRPr sz="4400" kern="1200">
-                <a:solidFill>
-                  <a:schemeClr val="tx1"/>
-                </a:solidFill>
-                <a:latin typeface="+mj-lt"/>
-                <a:ea typeface="+mj-ea"/>
-                <a:cs typeface="+mj-cs"/>
-              </a:defRPr>
-            </a:lvl1pPr>
-          </a:lstStyle>
-          <a:p>
-            <a:r>
-              <a:rPr lang="en-US" dirty="0"/>
-              <a:t>Database diagram</a:t>
+          <a:bodyPr/>
+          <a:lstStyle/>
+          <a:p>
+            <a:pPr algn="l"/>
+            <a:r>
+              <a:rPr lang="en-US" dirty="0"/>
+              <a:t>	</a:t>
+            </a:r>
+            <a:r>
+              <a:rPr lang="en-US" dirty="0" err="1"/>
+              <a:t>Một</a:t>
+            </a:r>
+            <a:r>
+              <a:rPr lang="en-US" dirty="0"/>
+              <a:t> </a:t>
+            </a:r>
+            <a:r>
+              <a:rPr lang="en-US" dirty="0" err="1"/>
+              <a:t>nhà</a:t>
+            </a:r>
+            <a:r>
+              <a:rPr lang="en-US" dirty="0"/>
+              <a:t> </a:t>
+            </a:r>
+            <a:r>
+              <a:rPr lang="en-US" dirty="0" err="1"/>
+              <a:t>trường</a:t>
+            </a:r>
+            <a:r>
+              <a:rPr lang="en-US" dirty="0"/>
+              <a:t> </a:t>
+            </a:r>
+            <a:r>
+              <a:rPr lang="en-US" dirty="0" err="1"/>
+              <a:t>yêu</a:t>
+            </a:r>
+            <a:r>
+              <a:rPr lang="en-US" dirty="0"/>
+              <a:t> </a:t>
+            </a:r>
+            <a:r>
+              <a:rPr lang="en-US" dirty="0" err="1"/>
+              <a:t>cầu</a:t>
+            </a:r>
+            <a:r>
+              <a:rPr lang="en-US" dirty="0"/>
+              <a:t> </a:t>
+            </a:r>
+            <a:r>
+              <a:rPr lang="en-US" dirty="0" err="1"/>
+              <a:t>làm</a:t>
+            </a:r>
+            <a:r>
+              <a:rPr lang="en-US" dirty="0"/>
+              <a:t> </a:t>
+            </a:r>
+            <a:r>
+              <a:rPr lang="en-US" dirty="0" err="1"/>
+              <a:t>một</a:t>
+            </a:r>
+            <a:r>
+              <a:rPr lang="en-US" dirty="0"/>
+              <a:t> website </a:t>
+            </a:r>
+            <a:r>
+              <a:rPr lang="en-US" dirty="0" err="1"/>
+              <a:t>cho</a:t>
+            </a:r>
+            <a:r>
+              <a:rPr lang="en-US" dirty="0"/>
+              <a:t> </a:t>
+            </a:r>
+            <a:r>
+              <a:rPr lang="en-US" dirty="0" err="1"/>
+              <a:t>phép</a:t>
+            </a:r>
+            <a:r>
+              <a:rPr lang="en-US" dirty="0"/>
+              <a:t> </a:t>
+            </a:r>
+            <a:r>
+              <a:rPr lang="en-US" dirty="0" err="1"/>
+              <a:t>sinh</a:t>
+            </a:r>
+            <a:r>
+              <a:rPr lang="en-US" dirty="0"/>
+              <a:t> </a:t>
+            </a:r>
+            <a:r>
+              <a:rPr lang="en-US" dirty="0" err="1"/>
+              <a:t>viên</a:t>
+            </a:r>
+            <a:r>
+              <a:rPr lang="en-US" dirty="0"/>
+              <a:t> </a:t>
+            </a:r>
+            <a:r>
+              <a:rPr lang="en-US" dirty="0" err="1"/>
+              <a:t>đăng</a:t>
+            </a:r>
+            <a:r>
+              <a:rPr lang="en-US" dirty="0"/>
+              <a:t> </a:t>
+            </a:r>
+            <a:r>
+              <a:rPr lang="en-US" dirty="0" err="1"/>
+              <a:t>ký</a:t>
+            </a:r>
+            <a:r>
+              <a:rPr lang="en-US" dirty="0"/>
+              <a:t> </a:t>
+            </a:r>
+            <a:r>
+              <a:rPr lang="en-US" dirty="0" err="1"/>
+              <a:t>học</a:t>
+            </a:r>
+            <a:r>
+              <a:rPr lang="en-US" dirty="0"/>
+              <a:t> </a:t>
+            </a:r>
+            <a:r>
+              <a:rPr lang="en-US" dirty="0" err="1"/>
+              <a:t>lại</a:t>
+            </a:r>
+            <a:r>
+              <a:rPr lang="en-US" dirty="0"/>
+              <a:t> </a:t>
+            </a:r>
+            <a:r>
+              <a:rPr lang="en-US" dirty="0" err="1"/>
+              <a:t>môn</a:t>
+            </a:r>
+            <a:r>
+              <a:rPr lang="en-US" dirty="0"/>
+              <a:t> </a:t>
+            </a:r>
+            <a:r>
+              <a:rPr lang="en-US" dirty="0" err="1"/>
+              <a:t>bằng</a:t>
+            </a:r>
+            <a:r>
+              <a:rPr lang="en-US" dirty="0"/>
+              <a:t> </a:t>
+            </a:r>
+            <a:r>
+              <a:rPr lang="en-US" dirty="0" err="1"/>
+              <a:t>cách</a:t>
+            </a:r>
+            <a:r>
+              <a:rPr lang="en-US" dirty="0"/>
+              <a:t> </a:t>
+            </a:r>
+            <a:r>
+              <a:rPr lang="en-US" dirty="0" err="1"/>
+              <a:t>chọn</a:t>
+            </a:r>
+            <a:r>
+              <a:rPr lang="en-US" dirty="0"/>
+              <a:t> </a:t>
+            </a:r>
+            <a:r>
+              <a:rPr lang="en-US" dirty="0" err="1"/>
+              <a:t>lớp</a:t>
+            </a:r>
+            <a:r>
+              <a:rPr lang="en-US" dirty="0"/>
+              <a:t> </a:t>
+            </a:r>
+            <a:r>
+              <a:rPr lang="en-US" dirty="0" err="1"/>
+              <a:t>có</a:t>
+            </a:r>
+            <a:r>
+              <a:rPr lang="en-US" dirty="0"/>
+              <a:t> </a:t>
+            </a:r>
+            <a:r>
+              <a:rPr lang="en-US" dirty="0" err="1"/>
+              <a:t>sẵn</a:t>
+            </a:r>
+            <a:r>
+              <a:rPr lang="en-US" dirty="0"/>
+              <a:t> </a:t>
+            </a:r>
+            <a:r>
+              <a:rPr lang="en-US" dirty="0" err="1"/>
+              <a:t>hoặc</a:t>
+            </a:r>
+            <a:r>
+              <a:rPr lang="en-US" dirty="0"/>
+              <a:t> </a:t>
+            </a:r>
+            <a:r>
+              <a:rPr lang="en-US" dirty="0" err="1"/>
+              <a:t>gửi</a:t>
+            </a:r>
+            <a:r>
+              <a:rPr lang="en-US" dirty="0"/>
+              <a:t> </a:t>
+            </a:r>
+            <a:r>
+              <a:rPr lang="en-US" dirty="0" err="1"/>
+              <a:t>đơn</a:t>
+            </a:r>
+            <a:r>
+              <a:rPr lang="en-US" dirty="0"/>
+              <a:t> </a:t>
+            </a:r>
+            <a:r>
+              <a:rPr lang="en-US" dirty="0" err="1"/>
+              <a:t>yêu</a:t>
+            </a:r>
+            <a:r>
+              <a:rPr lang="en-US" dirty="0"/>
+              <a:t> </a:t>
+            </a:r>
+            <a:r>
+              <a:rPr lang="en-US" dirty="0" err="1"/>
+              <a:t>cầu</a:t>
+            </a:r>
+            <a:r>
+              <a:rPr lang="en-US" dirty="0"/>
+              <a:t> </a:t>
+            </a:r>
+            <a:r>
+              <a:rPr lang="en-US" dirty="0" err="1"/>
+              <a:t>mở</a:t>
+            </a:r>
+            <a:r>
+              <a:rPr lang="en-US"/>
+              <a:t> lớp</a:t>
+            </a:r>
+            <a:r>
+              <a:rPr lang="en-US" dirty="0"/>
+              <a:t>. Admin </a:t>
+            </a:r>
+            <a:r>
+              <a:rPr lang="en-US" dirty="0" err="1"/>
+              <a:t>có</a:t>
+            </a:r>
+            <a:r>
+              <a:rPr lang="en-US" dirty="0"/>
+              <a:t> </a:t>
+            </a:r>
+            <a:r>
+              <a:rPr lang="en-US" dirty="0" err="1"/>
+              <a:t>thể</a:t>
+            </a:r>
+            <a:r>
+              <a:rPr lang="en-US" dirty="0"/>
+              <a:t> </a:t>
+            </a:r>
+            <a:r>
+              <a:rPr lang="en-US" dirty="0" err="1"/>
+              <a:t>xem</a:t>
+            </a:r>
+            <a:r>
+              <a:rPr lang="en-US" dirty="0"/>
+              <a:t> </a:t>
+            </a:r>
+            <a:r>
+              <a:rPr lang="en-US" dirty="0" err="1"/>
+              <a:t>thông</a:t>
+            </a:r>
+            <a:r>
+              <a:rPr lang="en-US" dirty="0"/>
+              <a:t> tin </a:t>
+            </a:r>
+            <a:r>
+              <a:rPr lang="en-US" dirty="0" err="1"/>
+              <a:t>các</a:t>
+            </a:r>
+            <a:r>
+              <a:rPr lang="en-US" dirty="0"/>
+              <a:t> </a:t>
+            </a:r>
+            <a:r>
+              <a:rPr lang="en-US" dirty="0" err="1"/>
+              <a:t>lớp</a:t>
+            </a:r>
+            <a:r>
+              <a:rPr lang="en-US" dirty="0"/>
+              <a:t>, </a:t>
+            </a:r>
+            <a:r>
+              <a:rPr lang="en-US" dirty="0" err="1"/>
+              <a:t>và</a:t>
+            </a:r>
+            <a:r>
+              <a:rPr lang="en-US" dirty="0"/>
+              <a:t> </a:t>
+            </a:r>
+            <a:r>
+              <a:rPr lang="en-US" dirty="0" err="1"/>
+              <a:t>chấp</a:t>
+            </a:r>
+            <a:r>
+              <a:rPr lang="en-US" dirty="0"/>
+              <a:t> </a:t>
+            </a:r>
+            <a:r>
+              <a:rPr lang="en-US" dirty="0" err="1"/>
+              <a:t>nhận</a:t>
+            </a:r>
+            <a:r>
+              <a:rPr lang="en-US" dirty="0"/>
+              <a:t> </a:t>
+            </a:r>
+            <a:r>
+              <a:rPr lang="en-US" dirty="0" err="1"/>
+              <a:t>yêu</a:t>
+            </a:r>
+            <a:r>
+              <a:rPr lang="en-US" dirty="0"/>
+              <a:t> </a:t>
+            </a:r>
+            <a:r>
+              <a:rPr lang="en-US" dirty="0" err="1"/>
+              <a:t>cầu</a:t>
+            </a:r>
+            <a:r>
+              <a:rPr lang="en-US" dirty="0"/>
+              <a:t> </a:t>
+            </a:r>
+            <a:r>
+              <a:rPr lang="en-US" dirty="0" err="1"/>
+              <a:t>mở</a:t>
+            </a:r>
+            <a:r>
+              <a:rPr lang="en-US" dirty="0"/>
+              <a:t> </a:t>
+            </a:r>
+            <a:r>
+              <a:rPr lang="en-US" dirty="0" err="1"/>
+              <a:t>lớp</a:t>
+            </a:r>
+            <a:r>
+              <a:rPr lang="en-US" dirty="0"/>
+              <a:t>.</a:t>
             </a:r>
           </a:p>
         </p:txBody>
@@ -4227,7 +4206,7 @@
     </p:spTree>
     <p:extLst>
       <p:ext uri="{BB962C8B-B14F-4D97-AF65-F5344CB8AC3E}">
-        <p14:creationId xmlns:p14="http://schemas.microsoft.com/office/powerpoint/2010/main" val="2934764002"/>
+        <p14:creationId xmlns:p14="http://schemas.microsoft.com/office/powerpoint/2010/main" val="3351780220"/>
       </p:ext>
     </p:extLst>
   </p:cSld>
@@ -4254,38 +4233,86 @@
           <a:chExt cx="0" cy="0"/>
         </a:xfrm>
       </p:grpSpPr>
-      <p:sp>
-        <p:nvSpPr>
-          <p:cNvPr id="4" name="TextBox 3">
-            <a:extLst>
-              <a:ext uri="{FF2B5EF4-FFF2-40B4-BE49-F238E27FC236}">
-                <a16:creationId xmlns:a16="http://schemas.microsoft.com/office/drawing/2014/main" id="{65969A2E-DD91-D954-2931-5CD5BB654DA8}"/>
-              </a:ext>
-            </a:extLst>
-          </p:cNvPr>
-          <p:cNvSpPr txBox="1"/>
+      <p:pic>
+        <p:nvPicPr>
+          <p:cNvPr id="5" name="Picture 4">
+            <a:extLst>
+              <a:ext uri="{FF2B5EF4-FFF2-40B4-BE49-F238E27FC236}">
+                <a16:creationId xmlns:a16="http://schemas.microsoft.com/office/drawing/2014/main" id="{177EE6A2-9364-D904-0DA4-2187FED3DEF6}"/>
+              </a:ext>
+            </a:extLst>
+          </p:cNvPr>
+          <p:cNvPicPr>
+            <a:picLocks noChangeAspect="1"/>
+          </p:cNvPicPr>
           <p:nvPr/>
-        </p:nvSpPr>
+        </p:nvPicPr>
+        <p:blipFill>
+          <a:blip r:embed="rId2"/>
+          <a:stretch>
+            <a:fillRect/>
+          </a:stretch>
+        </p:blipFill>
         <p:spPr>
           <a:xfrm>
-            <a:off x="2818821" y="2413337"/>
-            <a:ext cx="6554358" cy="1015663"/>
+            <a:off x="0" y="330071"/>
+            <a:ext cx="12192000" cy="6419530"/>
           </a:xfrm>
           <a:prstGeom prst="rect">
             <a:avLst/>
           </a:prstGeom>
-          <a:noFill/>
         </p:spPr>
-        <p:txBody>
-          <a:bodyPr wrap="none" rtlCol="0">
-            <a:spAutoFit/>
+      </p:pic>
+      <p:sp>
+        <p:nvSpPr>
+          <p:cNvPr id="8" name="Title 1">
+            <a:extLst>
+              <a:ext uri="{FF2B5EF4-FFF2-40B4-BE49-F238E27FC236}">
+                <a16:creationId xmlns:a16="http://schemas.microsoft.com/office/drawing/2014/main" id="{92B5ED4B-F536-CC35-9770-6ECF7F834510}"/>
+              </a:ext>
+            </a:extLst>
+          </p:cNvPr>
+          <p:cNvSpPr txBox="1">
+            <a:spLocks/>
+          </p:cNvSpPr>
+          <p:nvPr/>
+        </p:nvSpPr>
+        <p:spPr>
+          <a:xfrm>
+            <a:off x="7407563" y="330071"/>
+            <a:ext cx="6446982" cy="678728"/>
+          </a:xfrm>
+          <a:prstGeom prst="rect">
+            <a:avLst/>
+          </a:prstGeom>
+        </p:spPr>
+        <p:txBody>
+          <a:bodyPr vert="horz" lIns="91440" tIns="45720" rIns="91440" bIns="45720" rtlCol="0" anchor="ctr">
+            <a:normAutofit fontScale="97500" lnSpcReduction="10000"/>
           </a:bodyPr>
-          <a:lstStyle/>
-          <a:p>
-            <a:pPr algn="ctr"/>
-            <a:r>
-              <a:rPr lang="en-US" sz="6000" b="1" dirty="0"/>
-              <a:t>Screen shots, guide.</a:t>
+          <a:lstStyle>
+            <a:lvl1pPr algn="l" defTabSz="914400" rtl="0" eaLnBrk="1" latinLnBrk="0" hangingPunct="1">
+              <a:lnSpc>
+                <a:spcPct val="90000"/>
+              </a:lnSpc>
+              <a:spcBef>
+                <a:spcPct val="0"/>
+              </a:spcBef>
+              <a:buNone/>
+              <a:defRPr sz="4400" kern="1200">
+                <a:solidFill>
+                  <a:schemeClr val="tx1"/>
+                </a:solidFill>
+                <a:latin typeface="+mj-lt"/>
+                <a:ea typeface="+mj-ea"/>
+                <a:cs typeface="+mj-cs"/>
+              </a:defRPr>
+            </a:lvl1pPr>
+          </a:lstStyle>
+          <a:p>
+            <a:r>
+              <a:rPr lang="en-US" dirty="0"/>
+              <a:t>Database diagram</a:t>
             </a:r>
           </a:p>
         </p:txBody>
@@ -4293,7 +4320,7 @@
     </p:spTree>
     <p:extLst>
       <p:ext uri="{BB962C8B-B14F-4D97-AF65-F5344CB8AC3E}">
-        <p14:creationId xmlns:p14="http://schemas.microsoft.com/office/powerpoint/2010/main" val="786277499"/>
+        <p14:creationId xmlns:p14="http://schemas.microsoft.com/office/powerpoint/2010/main" val="2934764002"/>
       </p:ext>
     </p:extLst>
   </p:cSld>
@@ -4322,6 +4349,72 @@
       </p:grpSpPr>
       <p:sp>
         <p:nvSpPr>
+          <p:cNvPr id="4" name="TextBox 3">
+            <a:extLst>
+              <a:ext uri="{FF2B5EF4-FFF2-40B4-BE49-F238E27FC236}">
+                <a16:creationId xmlns:a16="http://schemas.microsoft.com/office/drawing/2014/main" id="{65969A2E-DD91-D954-2931-5CD5BB654DA8}"/>
+              </a:ext>
+            </a:extLst>
+          </p:cNvPr>
+          <p:cNvSpPr txBox="1"/>
+          <p:nvPr/>
+        </p:nvSpPr>
+        <p:spPr>
+          <a:xfrm>
+            <a:off x="2818821" y="2413337"/>
+            <a:ext cx="6554358" cy="1015663"/>
+          </a:xfrm>
+          <a:prstGeom prst="rect">
+            <a:avLst/>
+          </a:prstGeom>
+          <a:noFill/>
+        </p:spPr>
+        <p:txBody>
+          <a:bodyPr wrap="none" rtlCol="0">
+            <a:spAutoFit/>
+          </a:bodyPr>
+          <a:lstStyle/>
+          <a:p>
+            <a:pPr algn="ctr"/>
+            <a:r>
+              <a:rPr lang="en-US" sz="6000" b="1" dirty="0"/>
+              <a:t>Screen shots, guide.</a:t>
+            </a:r>
+          </a:p>
+        </p:txBody>
+      </p:sp>
+    </p:spTree>
+    <p:extLst>
+      <p:ext uri="{BB962C8B-B14F-4D97-AF65-F5344CB8AC3E}">
+        <p14:creationId xmlns:p14="http://schemas.microsoft.com/office/powerpoint/2010/main" val="786277499"/>
+      </p:ext>
+    </p:extLst>
+  </p:cSld>
+  <p:clrMapOvr>
+    <a:masterClrMapping/>
+  </p:clrMapOvr>
+</p:sld>
+</file>
+
+<file path=ppt/slides/slide5.xml><?xml version="1.0" encoding="utf-8"?>
+<p:sld xmlns:a="http://schemas.openxmlformats.org/drawingml/2006/main" xmlns:r="http://schemas.openxmlformats.org/officeDocument/2006/relationships" xmlns:p="http://schemas.openxmlformats.org/presentationml/2006/main">
+  <p:cSld>
+    <p:spTree>
+      <p:nvGrpSpPr>
+        <p:cNvPr id="1" name=""/>
+        <p:cNvGrpSpPr/>
+        <p:nvPr/>
+      </p:nvGrpSpPr>
+      <p:grpSpPr>
+        <a:xfrm>
+          <a:off x="0" y="0"/>
+          <a:ext cx="0" cy="0"/>
+          <a:chOff x="0" y="0"/>
+          <a:chExt cx="0" cy="0"/>
+        </a:xfrm>
+      </p:grpSpPr>
+      <p:sp>
+        <p:nvSpPr>
           <p:cNvPr id="7" name="TextBox 6">
             <a:extLst>
               <a:ext uri="{FF2B5EF4-FFF2-40B4-BE49-F238E27FC236}">
@@ -4433,7 +4526,7 @@
 </p:sld>
 </file>
 
-<file path=ppt/slides/slide5.xml><?xml version="1.0" encoding="utf-8"?>
+<file path=ppt/slides/slide6.xml><?xml version="1.0" encoding="utf-8"?>
 <p:sld xmlns:a="http://schemas.openxmlformats.org/drawingml/2006/main" xmlns:r="http://schemas.openxmlformats.org/officeDocument/2006/relationships" xmlns:p="http://schemas.openxmlformats.org/presentationml/2006/main">
   <p:cSld>
     <p:spTree>
@@ -4558,7 +4651,7 @@
 </p:sld>
 </file>
 
-<file path=ppt/slides/slide6.xml><?xml version="1.0" encoding="utf-8"?>
+<file path=ppt/slides/slide7.xml><?xml version="1.0" encoding="utf-8"?>
 <p:sld xmlns:a="http://schemas.openxmlformats.org/drawingml/2006/main" xmlns:r="http://schemas.openxmlformats.org/officeDocument/2006/relationships" xmlns:p="http://schemas.openxmlformats.org/presentationml/2006/main">
   <p:cSld>
     <p:spTree>
@@ -4683,7 +4776,7 @@
 </p:sld>
 </file>
 
-<file path=ppt/slides/slide7.xml><?xml version="1.0" encoding="utf-8"?>
+<file path=ppt/slides/slide8.xml><?xml version="1.0" encoding="utf-8"?>
 <p:sld xmlns:a="http://schemas.openxmlformats.org/drawingml/2006/main" xmlns:r="http://schemas.openxmlformats.org/officeDocument/2006/relationships" xmlns:p="http://schemas.openxmlformats.org/presentationml/2006/main">
   <p:cSld>
     <p:spTree>
@@ -4769,101 +4862,6 @@
     <p:extLst>
       <p:ext uri="{BB962C8B-B14F-4D97-AF65-F5344CB8AC3E}">
         <p14:creationId xmlns:p14="http://schemas.microsoft.com/office/powerpoint/2010/main" val="1235463863"/>
-      </p:ext>
-    </p:extLst>
-  </p:cSld>
-  <p:clrMapOvr>
-    <a:masterClrMapping/>
-  </p:clrMapOvr>
-</p:sld>
-</file>
-
-<file path=ppt/slides/slide8.xml><?xml version="1.0" encoding="utf-8"?>
-<p:sld xmlns:a="http://schemas.openxmlformats.org/drawingml/2006/main" xmlns:r="http://schemas.openxmlformats.org/officeDocument/2006/relationships" xmlns:p="http://schemas.openxmlformats.org/presentationml/2006/main">
-  <p:cSld>
-    <p:spTree>
-      <p:nvGrpSpPr>
-        <p:cNvPr id="1" name=""/>
-        <p:cNvGrpSpPr/>
-        <p:nvPr/>
-      </p:nvGrpSpPr>
-      <p:grpSpPr>
-        <a:xfrm>
-          <a:off x="0" y="0"/>
-          <a:ext cx="0" cy="0"/>
-          <a:chOff x="0" y="0"/>
-          <a:chExt cx="0" cy="0"/>
-        </a:xfrm>
-      </p:grpSpPr>
-      <p:pic>
-        <p:nvPicPr>
-          <p:cNvPr id="3" name="Picture 2">
-            <a:extLst>
-              <a:ext uri="{FF2B5EF4-FFF2-40B4-BE49-F238E27FC236}">
-                <a16:creationId xmlns:a16="http://schemas.microsoft.com/office/drawing/2014/main" id="{80F117E2-FA2F-9C3D-72DE-C6302A30EAAC}"/>
-              </a:ext>
-            </a:extLst>
-          </p:cNvPr>
-          <p:cNvPicPr>
-            <a:picLocks noChangeAspect="1"/>
-          </p:cNvPicPr>
-          <p:nvPr/>
-        </p:nvPicPr>
-        <p:blipFill>
-          <a:blip r:embed="rId2"/>
-          <a:stretch>
-            <a:fillRect/>
-          </a:stretch>
-        </p:blipFill>
-        <p:spPr>
-          <a:xfrm>
-            <a:off x="0" y="0"/>
-            <a:ext cx="12192000" cy="6858000"/>
-          </a:xfrm>
-          <a:prstGeom prst="rect">
-            <a:avLst/>
-          </a:prstGeom>
-        </p:spPr>
-      </p:pic>
-      <p:sp>
-        <p:nvSpPr>
-          <p:cNvPr id="4" name="TextBox 3">
-            <a:extLst>
-              <a:ext uri="{FF2B5EF4-FFF2-40B4-BE49-F238E27FC236}">
-                <a16:creationId xmlns:a16="http://schemas.microsoft.com/office/drawing/2014/main" id="{9A84219D-C3FE-F3FF-1E71-0088BAFB9252}"/>
-              </a:ext>
-            </a:extLst>
-          </p:cNvPr>
-          <p:cNvSpPr txBox="1"/>
-          <p:nvPr/>
-        </p:nvSpPr>
-        <p:spPr>
-          <a:xfrm>
-            <a:off x="4341090" y="5283200"/>
-            <a:ext cx="3207673" cy="369332"/>
-          </a:xfrm>
-          <a:prstGeom prst="rect">
-            <a:avLst/>
-          </a:prstGeom>
-          <a:noFill/>
-        </p:spPr>
-        <p:txBody>
-          <a:bodyPr wrap="none" rtlCol="0">
-            <a:spAutoFit/>
-          </a:bodyPr>
-          <a:lstStyle/>
-          <a:p>
-            <a:r>
-              <a:rPr lang="en-US" dirty="0"/>
-              <a:t>Click Details to view class details</a:t>
-            </a:r>
-          </a:p>
-        </p:txBody>
-      </p:sp>
-    </p:spTree>
-    <p:extLst>
-      <p:ext uri="{BB962C8B-B14F-4D97-AF65-F5344CB8AC3E}">
-        <p14:creationId xmlns:p14="http://schemas.microsoft.com/office/powerpoint/2010/main" val="2544885366"/>
       </p:ext>
     </p:extLst>
   </p:cSld>
@@ -4895,7 +4893,7 @@
           <p:cNvPr id="3" name="Picture 2">
             <a:extLst>
               <a:ext uri="{FF2B5EF4-FFF2-40B4-BE49-F238E27FC236}">
-                <a16:creationId xmlns:a16="http://schemas.microsoft.com/office/drawing/2014/main" id="{85738385-FD68-1EEA-D7F1-AF640CB078CD}"/>
+                <a16:creationId xmlns:a16="http://schemas.microsoft.com/office/drawing/2014/main" id="{80F117E2-FA2F-9C3D-72DE-C6302A30EAAC}"/>
               </a:ext>
             </a:extLst>
           </p:cNvPr>
@@ -4920,10 +4918,45 @@
           </a:prstGeom>
         </p:spPr>
       </p:pic>
+      <p:sp>
+        <p:nvSpPr>
+          <p:cNvPr id="4" name="TextBox 3">
+            <a:extLst>
+              <a:ext uri="{FF2B5EF4-FFF2-40B4-BE49-F238E27FC236}">
+                <a16:creationId xmlns:a16="http://schemas.microsoft.com/office/drawing/2014/main" id="{9A84219D-C3FE-F3FF-1E71-0088BAFB9252}"/>
+              </a:ext>
+            </a:extLst>
+          </p:cNvPr>
+          <p:cNvSpPr txBox="1"/>
+          <p:nvPr/>
+        </p:nvSpPr>
+        <p:spPr>
+          <a:xfrm>
+            <a:off x="4341090" y="5283200"/>
+            <a:ext cx="3207673" cy="369332"/>
+          </a:xfrm>
+          <a:prstGeom prst="rect">
+            <a:avLst/>
+          </a:prstGeom>
+          <a:noFill/>
+        </p:spPr>
+        <p:txBody>
+          <a:bodyPr wrap="none" rtlCol="0">
+            <a:spAutoFit/>
+          </a:bodyPr>
+          <a:lstStyle/>
+          <a:p>
+            <a:r>
+              <a:rPr lang="en-US" dirty="0"/>
+              <a:t>Click Details to view class details</a:t>
+            </a:r>
+          </a:p>
+        </p:txBody>
+      </p:sp>
     </p:spTree>
     <p:extLst>
       <p:ext uri="{BB962C8B-B14F-4D97-AF65-F5344CB8AC3E}">
-        <p14:creationId xmlns:p14="http://schemas.microsoft.com/office/powerpoint/2010/main" val="4122967482"/>
+        <p14:creationId xmlns:p14="http://schemas.microsoft.com/office/powerpoint/2010/main" val="2544885366"/>
       </p:ext>
     </p:extLst>
   </p:cSld>

--- a/Report.pptx
+++ b/Report.pptx
@@ -270,7 +270,7 @@
           <a:p>
             <a:fld id="{8BCF717A-6F8E-4400-ADD1-E115E16DF3C9}" type="datetimeFigureOut">
               <a:rPr lang="en-US" smtClean="0"/>
-              <a:t>4/26/2023</a:t>
+              <a:t>4/27/2023</a:t>
             </a:fld>
             <a:endParaRPr lang="en-US"/>
           </a:p>
@@ -468,7 +468,7 @@
           <a:p>
             <a:fld id="{8BCF717A-6F8E-4400-ADD1-E115E16DF3C9}" type="datetimeFigureOut">
               <a:rPr lang="en-US" smtClean="0"/>
-              <a:t>4/26/2023</a:t>
+              <a:t>4/27/2023</a:t>
             </a:fld>
             <a:endParaRPr lang="en-US"/>
           </a:p>
@@ -676,7 +676,7 @@
           <a:p>
             <a:fld id="{8BCF717A-6F8E-4400-ADD1-E115E16DF3C9}" type="datetimeFigureOut">
               <a:rPr lang="en-US" smtClean="0"/>
-              <a:t>4/26/2023</a:t>
+              <a:t>4/27/2023</a:t>
             </a:fld>
             <a:endParaRPr lang="en-US"/>
           </a:p>
@@ -874,7 +874,7 @@
           <a:p>
             <a:fld id="{8BCF717A-6F8E-4400-ADD1-E115E16DF3C9}" type="datetimeFigureOut">
               <a:rPr lang="en-US" smtClean="0"/>
-              <a:t>4/26/2023</a:t>
+              <a:t>4/27/2023</a:t>
             </a:fld>
             <a:endParaRPr lang="en-US"/>
           </a:p>
@@ -1149,7 +1149,7 @@
           <a:p>
             <a:fld id="{8BCF717A-6F8E-4400-ADD1-E115E16DF3C9}" type="datetimeFigureOut">
               <a:rPr lang="en-US" smtClean="0"/>
-              <a:t>4/26/2023</a:t>
+              <a:t>4/27/2023</a:t>
             </a:fld>
             <a:endParaRPr lang="en-US"/>
           </a:p>
@@ -1414,7 +1414,7 @@
           <a:p>
             <a:fld id="{8BCF717A-6F8E-4400-ADD1-E115E16DF3C9}" type="datetimeFigureOut">
               <a:rPr lang="en-US" smtClean="0"/>
-              <a:t>4/26/2023</a:t>
+              <a:t>4/27/2023</a:t>
             </a:fld>
             <a:endParaRPr lang="en-US"/>
           </a:p>
@@ -1826,7 +1826,7 @@
           <a:p>
             <a:fld id="{8BCF717A-6F8E-4400-ADD1-E115E16DF3C9}" type="datetimeFigureOut">
               <a:rPr lang="en-US" smtClean="0"/>
-              <a:t>4/26/2023</a:t>
+              <a:t>4/27/2023</a:t>
             </a:fld>
             <a:endParaRPr lang="en-US"/>
           </a:p>
@@ -1967,7 +1967,7 @@
           <a:p>
             <a:fld id="{8BCF717A-6F8E-4400-ADD1-E115E16DF3C9}" type="datetimeFigureOut">
               <a:rPr lang="en-US" smtClean="0"/>
-              <a:t>4/26/2023</a:t>
+              <a:t>4/27/2023</a:t>
             </a:fld>
             <a:endParaRPr lang="en-US"/>
           </a:p>
@@ -2080,7 +2080,7 @@
           <a:p>
             <a:fld id="{8BCF717A-6F8E-4400-ADD1-E115E16DF3C9}" type="datetimeFigureOut">
               <a:rPr lang="en-US" smtClean="0"/>
-              <a:t>4/26/2023</a:t>
+              <a:t>4/27/2023</a:t>
             </a:fld>
             <a:endParaRPr lang="en-US"/>
           </a:p>
@@ -2391,7 +2391,7 @@
           <a:p>
             <a:fld id="{8BCF717A-6F8E-4400-ADD1-E115E16DF3C9}" type="datetimeFigureOut">
               <a:rPr lang="en-US" smtClean="0"/>
-              <a:t>4/26/2023</a:t>
+              <a:t>4/27/2023</a:t>
             </a:fld>
             <a:endParaRPr lang="en-US"/>
           </a:p>
@@ -2679,7 +2679,7 @@
           <a:p>
             <a:fld id="{8BCF717A-6F8E-4400-ADD1-E115E16DF3C9}" type="datetimeFigureOut">
               <a:rPr lang="en-US" smtClean="0"/>
-              <a:t>4/26/2023</a:t>
+              <a:t>4/27/2023</a:t>
             </a:fld>
             <a:endParaRPr lang="en-US"/>
           </a:p>
@@ -2920,7 +2920,7 @@
           <a:p>
             <a:fld id="{8BCF717A-6F8E-4400-ADD1-E115E16DF3C9}" type="datetimeFigureOut">
               <a:rPr lang="en-US" smtClean="0"/>
-              <a:t>4/26/2023</a:t>
+              <a:t>4/27/2023</a:t>
             </a:fld>
             <a:endParaRPr lang="en-US"/>
           </a:p>
@@ -3554,10 +3554,10 @@
       </p:grpSpPr>
       <p:pic>
         <p:nvPicPr>
-          <p:cNvPr id="3" name="Picture 2">
-            <a:extLst>
-              <a:ext uri="{FF2B5EF4-FFF2-40B4-BE49-F238E27FC236}">
-                <a16:creationId xmlns:a16="http://schemas.microsoft.com/office/drawing/2014/main" id="{85738385-FD68-1EEA-D7F1-AF640CB078CD}"/>
+          <p:cNvPr id="4" name="Picture 3">
+            <a:extLst>
+              <a:ext uri="{FF2B5EF4-FFF2-40B4-BE49-F238E27FC236}">
+                <a16:creationId xmlns:a16="http://schemas.microsoft.com/office/drawing/2014/main" id="{2312C59A-AF6A-7FE2-99F3-D1F8706B73E0}"/>
               </a:ext>
             </a:extLst>
           </p:cNvPr>
@@ -3582,6 +3582,46 @@
           </a:prstGeom>
         </p:spPr>
       </p:pic>
+      <p:sp>
+        <p:nvSpPr>
+          <p:cNvPr id="5" name="TextBox 4">
+            <a:extLst>
+              <a:ext uri="{FF2B5EF4-FFF2-40B4-BE49-F238E27FC236}">
+                <a16:creationId xmlns:a16="http://schemas.microsoft.com/office/drawing/2014/main" id="{9DB7C898-D956-7403-A174-EF5453E300CA}"/>
+              </a:ext>
+            </a:extLst>
+          </p:cNvPr>
+          <p:cNvSpPr txBox="1"/>
+          <p:nvPr/>
+        </p:nvSpPr>
+        <p:spPr>
+          <a:xfrm>
+            <a:off x="3352799" y="6336145"/>
+            <a:ext cx="4963731" cy="369332"/>
+          </a:xfrm>
+          <a:prstGeom prst="rect">
+            <a:avLst/>
+          </a:prstGeom>
+          <a:noFill/>
+        </p:spPr>
+        <p:txBody>
+          <a:bodyPr wrap="none" rtlCol="0">
+            <a:spAutoFit/>
+          </a:bodyPr>
+          <a:lstStyle/>
+          <a:p>
+            <a:r>
+              <a:rPr lang="en-US" dirty="0"/>
+              <a:t>Edit time of class, add or delete student </a:t>
+            </a:r>
+            <a:r>
+              <a:rPr lang="en-US"/>
+              <a:t>from class.</a:t>
+            </a:r>
+            <a:endParaRPr lang="en-US" dirty="0"/>
+          </a:p>
+        </p:txBody>
+      </p:sp>
     </p:spTree>
     <p:extLst>
       <p:ext uri="{BB962C8B-B14F-4D97-AF65-F5344CB8AC3E}">
@@ -4933,7 +4973,7 @@
         <p:spPr>
           <a:xfrm>
             <a:off x="4341090" y="5283200"/>
-            <a:ext cx="3207673" cy="369332"/>
+            <a:ext cx="3260573" cy="369332"/>
           </a:xfrm>
           <a:prstGeom prst="rect">
             <a:avLst/>
